--- a/docs/AII - Project Slides.pptx
+++ b/docs/AII - Project Slides.pptx
@@ -297,7 +297,7 @@
       <p15:sldGuideLst xmlns:p15="http://schemas.microsoft.com/office/powerpoint/2012/main"/>
     </p:ext>
     <p:ext uri="http://customooxmlschemas.google.com/">
-      <go:slidesCustomData xmlns="" xmlns:mc="http://schemas.openxmlformats.org/markup-compatibility/2006" xmlns:mv="urn:schemas-microsoft-com:mac:vml" xmlns:c="http://schemas.openxmlformats.org/drawingml/2006/chart" xmlns:dgm="http://schemas.openxmlformats.org/drawingml/2006/diagram" xmlns:o="urn:schemas-microsoft-com:office:office" xmlns:v="urn:schemas-microsoft-com:vml" xmlns:pvml="urn:schemas-microsoft-com:office:powerpoint" xmlns:com="http://schemas.openxmlformats.org/drawingml/2006/compatibility" xmlns:p14="http://schemas.microsoft.com/office/powerpoint/2010/main" xmlns:p15="http://schemas.microsoft.com/office/powerpoint/2012/main" xmlns:ahyp="http://schemas.microsoft.com/office/drawing/2018/hyperlinkcolor" xmlns:go="http://customooxmlschemas.google.com/" r:id="rId55" roundtripDataSignature="AMtx7mg4HEnSfMocqsXlYeOUhWhSEmD4jQ=="/>
+      <go:slidesCustomData xmlns:go="http://customooxmlschemas.google.com/" xmlns:ahyp="http://schemas.microsoft.com/office/drawing/2018/hyperlinkcolor" xmlns:p15="http://schemas.microsoft.com/office/powerpoint/2012/main" xmlns:p14="http://schemas.microsoft.com/office/powerpoint/2010/main" xmlns:com="http://schemas.openxmlformats.org/drawingml/2006/compatibility" xmlns:pvml="urn:schemas-microsoft-com:office:powerpoint" xmlns:v="urn:schemas-microsoft-com:vml" xmlns:o="urn:schemas-microsoft-com:office:office" xmlns:dgm="http://schemas.openxmlformats.org/drawingml/2006/diagram" xmlns:c="http://schemas.openxmlformats.org/drawingml/2006/chart" xmlns:mv="urn:schemas-microsoft-com:mac:vml" xmlns:mc="http://schemas.openxmlformats.org/markup-compatibility/2006" xmlns="" r:id="rId55" roundtripDataSignature="AMtx7mg4HEnSfMocqsXlYeOUhWhSEmD4jQ=="/>
     </p:ext>
   </p:extLst>
 </p:presentation>
@@ -20129,8 +20129,8 @@
           </p:sp>
         </mc:Fallback>
       </mc:AlternateContent>
-      <mc:AlternateContent xmlns:mc="http://schemas.openxmlformats.org/markup-compatibility/2006">
-        <mc:Choice xmlns:a14="http://schemas.microsoft.com/office/drawing/2010/main" Requires="a14">
+      <mc:AlternateContent xmlns:mc="http://schemas.openxmlformats.org/markup-compatibility/2006" xmlns:a14="http://schemas.microsoft.com/office/drawing/2010/main">
+        <mc:Choice Requires="a14">
           <p:sp>
             <p:nvSpPr>
               <p:cNvPr id="5" name="Google Shape;157;p54">
@@ -20544,7 +20544,7 @@
             </p:txBody>
           </p:sp>
         </mc:Choice>
-        <mc:Fallback>
+        <mc:Fallback xmlns="">
           <p:sp>
             <p:nvSpPr>
               <p:cNvPr id="5" name="Google Shape;157;p54">
@@ -24981,7 +24981,7 @@
           <a:lstStyle/>
           <a:p>
             <a:pPr algn="ctr"/>
-            <a:endParaRPr lang="en-US"/>
+            <a:endParaRPr lang="en-US" dirty="0"/>
           </a:p>
         </p:txBody>
       </p:sp>
@@ -25007,6 +25007,9 @@
                     <p:cTn id="3" fill="hold">
                       <p:stCondLst>
                         <p:cond delay="indefinite"/>
+                        <p:cond evt="onBegin" delay="0">
+                          <p:tn val="2"/>
+                        </p:cond>
                       </p:stCondLst>
                       <p:childTnLst>
                         <p:par>
@@ -25016,7 +25019,7 @@
                             </p:stCondLst>
                             <p:childTnLst>
                               <p:par>
-                                <p:cTn id="5" presetID="10" presetClass="entr" presetSubtype="0" fill="hold" grpId="0" nodeType="clickEffect">
+                                <p:cTn id="5" presetID="10" presetClass="entr" presetSubtype="0" fill="hold" grpId="0" nodeType="withEffect">
                                   <p:stCondLst>
                                     <p:cond delay="0"/>
                                   </p:stCondLst>
@@ -29100,9 +29103,6 @@
                     <p:cTn id="3" fill="hold">
                       <p:stCondLst>
                         <p:cond delay="indefinite"/>
-                        <p:cond evt="onBegin" delay="0">
-                          <p:tn val="2"/>
-                        </p:cond>
                       </p:stCondLst>
                       <p:childTnLst>
                         <p:par>
@@ -29112,7 +29112,7 @@
                             </p:stCondLst>
                             <p:childTnLst>
                               <p:par>
-                                <p:cTn id="5" presetID="10" presetClass="entr" presetSubtype="0" fill="hold" grpId="0" nodeType="withEffect">
+                                <p:cTn id="5" presetID="10" presetClass="entr" presetSubtype="0" fill="hold" grpId="0" nodeType="clickEffect">
                                   <p:stCondLst>
                                     <p:cond delay="0"/>
                                   </p:stCondLst>

--- a/docs/AII - Project Slides.pptx
+++ b/docs/AII - Project Slides.pptx
@@ -297,7 +297,7 @@
       <p15:sldGuideLst xmlns:p15="http://schemas.microsoft.com/office/powerpoint/2012/main"/>
     </p:ext>
     <p:ext uri="http://customooxmlschemas.google.com/">
-      <go:slidesCustomData xmlns:go="http://customooxmlschemas.google.com/" xmlns:ahyp="http://schemas.microsoft.com/office/drawing/2018/hyperlinkcolor" xmlns:p15="http://schemas.microsoft.com/office/powerpoint/2012/main" xmlns:p14="http://schemas.microsoft.com/office/powerpoint/2010/main" xmlns:com="http://schemas.openxmlformats.org/drawingml/2006/compatibility" xmlns:pvml="urn:schemas-microsoft-com:office:powerpoint" xmlns:v="urn:schemas-microsoft-com:vml" xmlns:o="urn:schemas-microsoft-com:office:office" xmlns:dgm="http://schemas.openxmlformats.org/drawingml/2006/diagram" xmlns:c="http://schemas.openxmlformats.org/drawingml/2006/chart" xmlns:mv="urn:schemas-microsoft-com:mac:vml" xmlns:mc="http://schemas.openxmlformats.org/markup-compatibility/2006" xmlns="" r:id="rId55" roundtripDataSignature="AMtx7mg4HEnSfMocqsXlYeOUhWhSEmD4jQ=="/>
+      <go:slidesCustomData xmlns="" xmlns:mc="http://schemas.openxmlformats.org/markup-compatibility/2006" xmlns:mv="urn:schemas-microsoft-com:mac:vml" xmlns:c="http://schemas.openxmlformats.org/drawingml/2006/chart" xmlns:dgm="http://schemas.openxmlformats.org/drawingml/2006/diagram" xmlns:o="urn:schemas-microsoft-com:office:office" xmlns:v="urn:schemas-microsoft-com:vml" xmlns:pvml="urn:schemas-microsoft-com:office:powerpoint" xmlns:com="http://schemas.openxmlformats.org/drawingml/2006/compatibility" xmlns:p14="http://schemas.microsoft.com/office/powerpoint/2010/main" xmlns:p15="http://schemas.microsoft.com/office/powerpoint/2012/main" xmlns:ahyp="http://schemas.microsoft.com/office/drawing/2018/hyperlinkcolor" xmlns:go="http://customooxmlschemas.google.com/" r:id="rId55" roundtripDataSignature="AMtx7mg4HEnSfMocqsXlYeOUhWhSEmD4jQ=="/>
     </p:ext>
   </p:extLst>
 </p:presentation>
@@ -19653,7 +19653,15 @@
             </a:pPr>
             <a:r>
               <a:rPr lang="en-US" dirty="0"/>
-              <a:t>Applied high-pass filter for noise removal</a:t>
+              <a:t>Applied </a:t>
+            </a:r>
+            <a:r>
+              <a:rPr lang="en-US" b="1" dirty="0"/>
+              <a:t>high-pass filter </a:t>
+            </a:r>
+            <a:r>
+              <a:rPr lang="en-US" dirty="0"/>
+              <a:t>for noise removal</a:t>
             </a:r>
           </a:p>
           <a:p>
@@ -19662,7 +19670,11 @@
             </a:pPr>
             <a:r>
               <a:rPr lang="en-US" dirty="0"/>
-              <a:t>Image dimension fixed to 512x64 pixels</a:t>
+              <a:t>Image dimension fixed to </a:t>
+            </a:r>
+            <a:r>
+              <a:rPr lang="en-US" b="1" dirty="0"/>
+              <a:t>512x64 pixels</a:t>
             </a:r>
           </a:p>
           <a:p>
@@ -19671,8 +19683,21 @@
             </a:pPr>
             <a:r>
               <a:rPr lang="en-US" dirty="0"/>
-              <a:t>Other pre-processing operations are applied directly by each model during the training (e.g., whitening and normalization)</a:t>
-            </a:r>
+              <a:t>Other </a:t>
+            </a:r>
+            <a:r>
+              <a:rPr lang="en-US" b="1" dirty="0"/>
+              <a:t>preprocessing</a:t>
+            </a:r>
+            <a:r>
+              <a:rPr lang="en-US" dirty="0"/>
+              <a:t> operations are applied directly by each model during the training (e.g., whitening, normalization </a:t>
+            </a:r>
+            <a:r>
+              <a:rPr lang="en-US"/>
+              <a:t>and standardization)</a:t>
+            </a:r>
+            <a:endParaRPr lang="en-US" dirty="0"/>
           </a:p>
           <a:p>
             <a:pPr marL="171450" lvl="0" indent="-38100" algn="l" rtl="0">

--- a/docs/AII - Project Slides.pptx
+++ b/docs/AII - Project Slides.pptx
@@ -297,7 +297,7 @@
       <p15:sldGuideLst xmlns:p15="http://schemas.microsoft.com/office/powerpoint/2012/main"/>
     </p:ext>
     <p:ext uri="http://customooxmlschemas.google.com/">
-      <go:slidesCustomData xmlns="" xmlns:mc="http://schemas.openxmlformats.org/markup-compatibility/2006" xmlns:mv="urn:schemas-microsoft-com:mac:vml" xmlns:c="http://schemas.openxmlformats.org/drawingml/2006/chart" xmlns:dgm="http://schemas.openxmlformats.org/drawingml/2006/diagram" xmlns:o="urn:schemas-microsoft-com:office:office" xmlns:v="urn:schemas-microsoft-com:vml" xmlns:pvml="urn:schemas-microsoft-com:office:powerpoint" xmlns:com="http://schemas.openxmlformats.org/drawingml/2006/compatibility" xmlns:p14="http://schemas.microsoft.com/office/powerpoint/2010/main" xmlns:p15="http://schemas.microsoft.com/office/powerpoint/2012/main" xmlns:ahyp="http://schemas.microsoft.com/office/drawing/2018/hyperlinkcolor" xmlns:go="http://customooxmlschemas.google.com/" r:id="rId55" roundtripDataSignature="AMtx7mg4HEnSfMocqsXlYeOUhWhSEmD4jQ=="/>
+      <go:slidesCustomData xmlns:go="http://customooxmlschemas.google.com/" xmlns:ahyp="http://schemas.microsoft.com/office/drawing/2018/hyperlinkcolor" xmlns:p15="http://schemas.microsoft.com/office/powerpoint/2012/main" xmlns:p14="http://schemas.microsoft.com/office/powerpoint/2010/main" xmlns:com="http://schemas.openxmlformats.org/drawingml/2006/compatibility" xmlns:pvml="urn:schemas-microsoft-com:office:powerpoint" xmlns:v="urn:schemas-microsoft-com:vml" xmlns:o="urn:schemas-microsoft-com:office:office" xmlns:dgm="http://schemas.openxmlformats.org/drawingml/2006/diagram" xmlns:c="http://schemas.openxmlformats.org/drawingml/2006/chart" xmlns:mv="urn:schemas-microsoft-com:mac:vml" xmlns:mc="http://schemas.openxmlformats.org/markup-compatibility/2006" xmlns="" r:id="rId55" roundtripDataSignature="AMtx7mg4HEnSfMocqsXlYeOUhWhSEmD4jQ=="/>
     </p:ext>
   </p:extLst>
 </p:presentation>
@@ -29106,6 +29106,58 @@
           </a:p>
         </p:txBody>
       </p:sp>
+      <p:pic>
+        <p:nvPicPr>
+          <p:cNvPr id="5" name="Picture 2" descr="Shape, polygon&#10;&#10;Description automatically generated">
+            <a:extLst>
+              <a:ext uri="{FF2B5EF4-FFF2-40B4-BE49-F238E27FC236}">
+                <a16:creationId xmlns:a16="http://schemas.microsoft.com/office/drawing/2014/main" id="{06F4F4F2-5AD6-3365-AD68-3FE21C60D162}"/>
+              </a:ext>
+            </a:extLst>
+          </p:cNvPr>
+          <p:cNvPicPr>
+            <a:picLocks noChangeAspect="1" noChangeArrowheads="1"/>
+          </p:cNvPicPr>
+          <p:nvPr/>
+        </p:nvPicPr>
+        <p:blipFill>
+          <a:blip r:embed="rId4">
+            <a:extLst>
+              <a:ext uri="{28A0092B-C50C-407E-A947-70E740481C1C}">
+                <a14:useLocalDpi xmlns:a14="http://schemas.microsoft.com/office/drawing/2010/main" val="0"/>
+              </a:ext>
+            </a:extLst>
+          </a:blip>
+          <a:srcRect/>
+          <a:stretch>
+            <a:fillRect/>
+          </a:stretch>
+        </p:blipFill>
+        <p:spPr bwMode="auto">
+          <a:xfrm>
+            <a:off x="7551839" y="150608"/>
+            <a:ext cx="1452461" cy="620322"/>
+          </a:xfrm>
+          <a:prstGeom prst="rect">
+            <a:avLst/>
+          </a:prstGeom>
+          <a:noFill/>
+          <a:ln w="6350">
+            <a:solidFill>
+              <a:srgbClr val="C00000"/>
+            </a:solidFill>
+          </a:ln>
+          <a:extLst>
+            <a:ext uri="{909E8E84-426E-40DD-AFC4-6F175D3DCCD1}">
+              <a14:hiddenFill xmlns:a14="http://schemas.microsoft.com/office/drawing/2010/main">
+                <a:solidFill>
+                  <a:srgbClr val="FFFFFF"/>
+                </a:solidFill>
+              </a14:hiddenFill>
+            </a:ext>
+          </a:extLst>
+        </p:spPr>
+      </p:pic>
     </p:spTree>
     <p:extLst>
       <p:ext uri="{BB962C8B-B14F-4D97-AF65-F5344CB8AC3E}">

--- a/docs/AII - Project Slides.pptx
+++ b/docs/AII - Project Slides.pptx
@@ -297,7 +297,7 @@
       <p15:sldGuideLst xmlns:p15="http://schemas.microsoft.com/office/powerpoint/2012/main"/>
     </p:ext>
     <p:ext uri="http://customooxmlschemas.google.com/">
-      <go:slidesCustomData xmlns:go="http://customooxmlschemas.google.com/" xmlns:ahyp="http://schemas.microsoft.com/office/drawing/2018/hyperlinkcolor" xmlns:p15="http://schemas.microsoft.com/office/powerpoint/2012/main" xmlns:p14="http://schemas.microsoft.com/office/powerpoint/2010/main" xmlns:com="http://schemas.openxmlformats.org/drawingml/2006/compatibility" xmlns:pvml="urn:schemas-microsoft-com:office:powerpoint" xmlns:v="urn:schemas-microsoft-com:vml" xmlns:o="urn:schemas-microsoft-com:office:office" xmlns:dgm="http://schemas.openxmlformats.org/drawingml/2006/diagram" xmlns:c="http://schemas.openxmlformats.org/drawingml/2006/chart" xmlns:mv="urn:schemas-microsoft-com:mac:vml" xmlns:mc="http://schemas.openxmlformats.org/markup-compatibility/2006" xmlns="" r:id="rId55" roundtripDataSignature="AMtx7mg4HEnSfMocqsXlYeOUhWhSEmD4jQ=="/>
+      <go:slidesCustomData xmlns="" xmlns:mc="http://schemas.openxmlformats.org/markup-compatibility/2006" xmlns:mv="urn:schemas-microsoft-com:mac:vml" xmlns:c="http://schemas.openxmlformats.org/drawingml/2006/chart" xmlns:dgm="http://schemas.openxmlformats.org/drawingml/2006/diagram" xmlns:o="urn:schemas-microsoft-com:office:office" xmlns:v="urn:schemas-microsoft-com:vml" xmlns:pvml="urn:schemas-microsoft-com:office:powerpoint" xmlns:com="http://schemas.openxmlformats.org/drawingml/2006/compatibility" xmlns:p14="http://schemas.microsoft.com/office/powerpoint/2010/main" xmlns:p15="http://schemas.microsoft.com/office/powerpoint/2012/main" xmlns:ahyp="http://schemas.microsoft.com/office/drawing/2018/hyperlinkcolor" xmlns:go="http://customooxmlschemas.google.com/" r:id="rId55" roundtripDataSignature="AMtx7mg4HEnSfMocqsXlYeOUhWhSEmD4jQ=="/>
     </p:ext>
   </p:extLst>
 </p:presentation>
@@ -29666,6 +29666,58 @@
           </a:p>
         </p:txBody>
       </p:sp>
+      <p:pic>
+        <p:nvPicPr>
+          <p:cNvPr id="5" name="Picture 2" descr="Shape, polygon&#10;&#10;Description automatically generated">
+            <a:extLst>
+              <a:ext uri="{FF2B5EF4-FFF2-40B4-BE49-F238E27FC236}">
+                <a16:creationId xmlns:a16="http://schemas.microsoft.com/office/drawing/2014/main" id="{5015164C-8AE4-69B7-F6EE-599076C98D22}"/>
+              </a:ext>
+            </a:extLst>
+          </p:cNvPr>
+          <p:cNvPicPr>
+            <a:picLocks noChangeAspect="1" noChangeArrowheads="1"/>
+          </p:cNvPicPr>
+          <p:nvPr/>
+        </p:nvPicPr>
+        <p:blipFill>
+          <a:blip r:embed="rId4">
+            <a:extLst>
+              <a:ext uri="{28A0092B-C50C-407E-A947-70E740481C1C}">
+                <a14:useLocalDpi xmlns:a14="http://schemas.microsoft.com/office/drawing/2010/main" val="0"/>
+              </a:ext>
+            </a:extLst>
+          </a:blip>
+          <a:srcRect/>
+          <a:stretch>
+            <a:fillRect/>
+          </a:stretch>
+        </p:blipFill>
+        <p:spPr bwMode="auto">
+          <a:xfrm>
+            <a:off x="7551839" y="150608"/>
+            <a:ext cx="1452461" cy="620322"/>
+          </a:xfrm>
+          <a:prstGeom prst="rect">
+            <a:avLst/>
+          </a:prstGeom>
+          <a:noFill/>
+          <a:ln w="6350">
+            <a:solidFill>
+              <a:srgbClr val="C00000"/>
+            </a:solidFill>
+          </a:ln>
+          <a:extLst>
+            <a:ext uri="{909E8E84-426E-40DD-AFC4-6F175D3DCCD1}">
+              <a14:hiddenFill xmlns:a14="http://schemas.microsoft.com/office/drawing/2010/main">
+                <a:solidFill>
+                  <a:srgbClr val="FFFFFF"/>
+                </a:solidFill>
+              </a14:hiddenFill>
+            </a:ext>
+          </a:extLst>
+        </p:spPr>
+      </p:pic>
     </p:spTree>
     <p:extLst>
       <p:ext uri="{BB962C8B-B14F-4D97-AF65-F5344CB8AC3E}">
@@ -30466,6 +30518,58 @@
           </a:p>
         </p:txBody>
       </p:sp>
+      <p:pic>
+        <p:nvPicPr>
+          <p:cNvPr id="11" name="Picture 2" descr="Shape, polygon&#10;&#10;Description automatically generated">
+            <a:extLst>
+              <a:ext uri="{FF2B5EF4-FFF2-40B4-BE49-F238E27FC236}">
+                <a16:creationId xmlns:a16="http://schemas.microsoft.com/office/drawing/2014/main" id="{6551AF4D-53CA-2C11-D673-1B78674FB643}"/>
+              </a:ext>
+            </a:extLst>
+          </p:cNvPr>
+          <p:cNvPicPr>
+            <a:picLocks noChangeAspect="1" noChangeArrowheads="1"/>
+          </p:cNvPicPr>
+          <p:nvPr/>
+        </p:nvPicPr>
+        <p:blipFill>
+          <a:blip r:embed="rId4">
+            <a:extLst>
+              <a:ext uri="{28A0092B-C50C-407E-A947-70E740481C1C}">
+                <a14:useLocalDpi xmlns:a14="http://schemas.microsoft.com/office/drawing/2010/main" val="0"/>
+              </a:ext>
+            </a:extLst>
+          </a:blip>
+          <a:srcRect/>
+          <a:stretch>
+            <a:fillRect/>
+          </a:stretch>
+        </p:blipFill>
+        <p:spPr bwMode="auto">
+          <a:xfrm>
+            <a:off x="7551839" y="150608"/>
+            <a:ext cx="1452461" cy="620322"/>
+          </a:xfrm>
+          <a:prstGeom prst="rect">
+            <a:avLst/>
+          </a:prstGeom>
+          <a:noFill/>
+          <a:ln w="6350">
+            <a:solidFill>
+              <a:srgbClr val="C00000"/>
+            </a:solidFill>
+          </a:ln>
+          <a:extLst>
+            <a:ext uri="{909E8E84-426E-40DD-AFC4-6F175D3DCCD1}">
+              <a14:hiddenFill xmlns:a14="http://schemas.microsoft.com/office/drawing/2010/main">
+                <a:solidFill>
+                  <a:srgbClr val="FFFFFF"/>
+                </a:solidFill>
+              </a14:hiddenFill>
+            </a:ext>
+          </a:extLst>
+        </p:spPr>
+      </p:pic>
     </p:spTree>
     <p:extLst>
       <p:ext uri="{BB962C8B-B14F-4D97-AF65-F5344CB8AC3E}">
@@ -30996,6 +31100,58 @@
           </a:p>
         </p:txBody>
       </p:sp>
+      <p:pic>
+        <p:nvPicPr>
+          <p:cNvPr id="5" name="Picture 2" descr="Shape, polygon&#10;&#10;Description automatically generated">
+            <a:extLst>
+              <a:ext uri="{FF2B5EF4-FFF2-40B4-BE49-F238E27FC236}">
+                <a16:creationId xmlns:a16="http://schemas.microsoft.com/office/drawing/2014/main" id="{1AD89CD0-0BB1-2E93-DC7E-18D96F373916}"/>
+              </a:ext>
+            </a:extLst>
+          </p:cNvPr>
+          <p:cNvPicPr>
+            <a:picLocks noChangeAspect="1" noChangeArrowheads="1"/>
+          </p:cNvPicPr>
+          <p:nvPr/>
+        </p:nvPicPr>
+        <p:blipFill>
+          <a:blip r:embed="rId4">
+            <a:extLst>
+              <a:ext uri="{28A0092B-C50C-407E-A947-70E740481C1C}">
+                <a14:useLocalDpi xmlns:a14="http://schemas.microsoft.com/office/drawing/2010/main" val="0"/>
+              </a:ext>
+            </a:extLst>
+          </a:blip>
+          <a:srcRect/>
+          <a:stretch>
+            <a:fillRect/>
+          </a:stretch>
+        </p:blipFill>
+        <p:spPr bwMode="auto">
+          <a:xfrm>
+            <a:off x="7551839" y="150608"/>
+            <a:ext cx="1452461" cy="620322"/>
+          </a:xfrm>
+          <a:prstGeom prst="rect">
+            <a:avLst/>
+          </a:prstGeom>
+          <a:noFill/>
+          <a:ln w="6350">
+            <a:solidFill>
+              <a:srgbClr val="C00000"/>
+            </a:solidFill>
+          </a:ln>
+          <a:extLst>
+            <a:ext uri="{909E8E84-426E-40DD-AFC4-6F175D3DCCD1}">
+              <a14:hiddenFill xmlns:a14="http://schemas.microsoft.com/office/drawing/2010/main">
+                <a:solidFill>
+                  <a:srgbClr val="FFFFFF"/>
+                </a:solidFill>
+              </a14:hiddenFill>
+            </a:ext>
+          </a:extLst>
+        </p:spPr>
+      </p:pic>
     </p:spTree>
     <p:extLst>
       <p:ext uri="{BB962C8B-B14F-4D97-AF65-F5344CB8AC3E}">

--- a/docs/AII - Project Slides.pptx
+++ b/docs/AII - Project Slides.pptx
@@ -5,7 +5,7 @@
     <p:sldMasterId id="2147483648" r:id="rId1"/>
   </p:sldMasterIdLst>
   <p:notesMasterIdLst>
-    <p:notesMasterId r:id="rId54"/>
+    <p:notesMasterId r:id="rId53"/>
   </p:notesMasterIdLst>
   <p:sldIdLst>
     <p:sldId id="256" r:id="rId2"/>
@@ -47,19 +47,18 @@
     <p:sldId id="294" r:id="rId38"/>
     <p:sldId id="295" r:id="rId39"/>
     <p:sldId id="302" r:id="rId40"/>
-    <p:sldId id="303" r:id="rId41"/>
-    <p:sldId id="304" r:id="rId42"/>
-    <p:sldId id="305" r:id="rId43"/>
-    <p:sldId id="276" r:id="rId44"/>
-    <p:sldId id="296" r:id="rId45"/>
-    <p:sldId id="297" r:id="rId46"/>
-    <p:sldId id="298" r:id="rId47"/>
-    <p:sldId id="277" r:id="rId48"/>
-    <p:sldId id="301" r:id="rId49"/>
-    <p:sldId id="300" r:id="rId50"/>
-    <p:sldId id="299" r:id="rId51"/>
-    <p:sldId id="278" r:id="rId52"/>
-    <p:sldId id="309" r:id="rId53"/>
+    <p:sldId id="304" r:id="rId41"/>
+    <p:sldId id="305" r:id="rId42"/>
+    <p:sldId id="276" r:id="rId43"/>
+    <p:sldId id="296" r:id="rId44"/>
+    <p:sldId id="297" r:id="rId45"/>
+    <p:sldId id="298" r:id="rId46"/>
+    <p:sldId id="277" r:id="rId47"/>
+    <p:sldId id="301" r:id="rId48"/>
+    <p:sldId id="300" r:id="rId49"/>
+    <p:sldId id="299" r:id="rId50"/>
+    <p:sldId id="278" r:id="rId51"/>
+    <p:sldId id="309" r:id="rId52"/>
   </p:sldIdLst>
   <p:sldSz cx="9144000" cy="5143500" type="screen16x9"/>
   <p:notesSz cx="6858000" cy="9144000"/>
@@ -297,7 +296,7 @@
       <p15:sldGuideLst xmlns:p15="http://schemas.microsoft.com/office/powerpoint/2012/main"/>
     </p:ext>
     <p:ext uri="http://customooxmlschemas.google.com/">
-      <go:slidesCustomData xmlns="" xmlns:mc="http://schemas.openxmlformats.org/markup-compatibility/2006" xmlns:mv="urn:schemas-microsoft-com:mac:vml" xmlns:c="http://schemas.openxmlformats.org/drawingml/2006/chart" xmlns:dgm="http://schemas.openxmlformats.org/drawingml/2006/diagram" xmlns:o="urn:schemas-microsoft-com:office:office" xmlns:v="urn:schemas-microsoft-com:vml" xmlns:pvml="urn:schemas-microsoft-com:office:powerpoint" xmlns:com="http://schemas.openxmlformats.org/drawingml/2006/compatibility" xmlns:p14="http://schemas.microsoft.com/office/powerpoint/2010/main" xmlns:p15="http://schemas.microsoft.com/office/powerpoint/2012/main" xmlns:ahyp="http://schemas.microsoft.com/office/drawing/2018/hyperlinkcolor" xmlns:go="http://customooxmlschemas.google.com/" r:id="rId55" roundtripDataSignature="AMtx7mg4HEnSfMocqsXlYeOUhWhSEmD4jQ=="/>
+      <go:slidesCustomData xmlns:go="http://customooxmlschemas.google.com/" xmlns:ahyp="http://schemas.microsoft.com/office/drawing/2018/hyperlinkcolor" xmlns:p15="http://schemas.microsoft.com/office/powerpoint/2012/main" xmlns:p14="http://schemas.microsoft.com/office/powerpoint/2010/main" xmlns:com="http://schemas.openxmlformats.org/drawingml/2006/compatibility" xmlns:pvml="urn:schemas-microsoft-com:office:powerpoint" xmlns:v="urn:schemas-microsoft-com:vml" xmlns:o="urn:schemas-microsoft-com:office:office" xmlns:dgm="http://schemas.openxmlformats.org/drawingml/2006/diagram" xmlns:c="http://schemas.openxmlformats.org/drawingml/2006/chart" xmlns:mv="urn:schemas-microsoft-com:mac:vml" xmlns:mc="http://schemas.openxmlformats.org/markup-compatibility/2006" xmlns="" r:id="rId55" roundtripDataSignature="AMtx7mg4HEnSfMocqsXlYeOUhWhSEmD4jQ=="/>
     </p:ext>
   </p:extLst>
 </p:presentation>
@@ -6085,7 +6084,7 @@
     </p:spTree>
     <p:extLst>
       <p:ext uri="{BB962C8B-B14F-4D97-AF65-F5344CB8AC3E}">
-        <p14:creationId xmlns:p14="http://schemas.microsoft.com/office/powerpoint/2010/main" val="1522549556"/>
+        <p14:creationId xmlns:p14="http://schemas.microsoft.com/office/powerpoint/2010/main" val="2625141952"/>
       </p:ext>
     </p:extLst>
   </p:cSld>
@@ -6096,133 +6095,6 @@
 </file>
 
 <file path=ppt/notesSlides/notesSlide41.xml><?xml version="1.0" encoding="utf-8"?>
-<p:notes xmlns:a="http://schemas.openxmlformats.org/drawingml/2006/main" xmlns:r="http://schemas.openxmlformats.org/officeDocument/2006/relationships" xmlns:p="http://schemas.openxmlformats.org/presentationml/2006/main" showMasterSp="0" showMasterPhAnim="0">
-  <p:cSld>
-    <p:spTree>
-      <p:nvGrpSpPr>
-        <p:cNvPr id="1" name="Shape 200"/>
-        <p:cNvGrpSpPr/>
-        <p:nvPr/>
-      </p:nvGrpSpPr>
-      <p:grpSpPr>
-        <a:xfrm>
-          <a:off x="0" y="0"/>
-          <a:ext cx="0" cy="0"/>
-          <a:chOff x="0" y="0"/>
-          <a:chExt cx="0" cy="0"/>
-        </a:xfrm>
-      </p:grpSpPr>
-      <p:sp>
-        <p:nvSpPr>
-          <p:cNvPr id="201" name="Google Shape;201;p62:notes"/>
-          <p:cNvSpPr txBox="1">
-            <a:spLocks noGrp="1"/>
-          </p:cNvSpPr>
-          <p:nvPr>
-            <p:ph type="body" idx="1"/>
-          </p:nvPr>
-        </p:nvSpPr>
-        <p:spPr>
-          <a:xfrm>
-            <a:off x="685800" y="4343400"/>
-            <a:ext cx="5486400" cy="4114800"/>
-          </a:xfrm>
-          <a:prstGeom prst="rect">
-            <a:avLst/>
-          </a:prstGeom>
-          <a:noFill/>
-          <a:ln>
-            <a:noFill/>
-          </a:ln>
-        </p:spPr>
-        <p:txBody>
-          <a:bodyPr spcFirstLastPara="1" wrap="square" lIns="91425" tIns="45700" rIns="91425" bIns="45700" anchor="t" anchorCtr="0">
-            <a:noAutofit/>
-          </a:bodyPr>
-          <a:lstStyle/>
-          <a:p>
-            <a:pPr marL="0" lvl="0" indent="0" algn="l" rtl="0">
-              <a:lnSpc>
-                <a:spcPct val="100000"/>
-              </a:lnSpc>
-              <a:spcBef>
-                <a:spcPts val="360"/>
-              </a:spcBef>
-              <a:spcAft>
-                <a:spcPts val="0"/>
-              </a:spcAft>
-              <a:buSzPts val="1400"/>
-              <a:buNone/>
-            </a:pPr>
-            <a:endParaRPr/>
-          </a:p>
-        </p:txBody>
-      </p:sp>
-      <p:sp>
-        <p:nvSpPr>
-          <p:cNvPr id="202" name="Google Shape;202;p62:notes"/>
-          <p:cNvSpPr>
-            <a:spLocks noGrp="1" noRot="1" noChangeAspect="1"/>
-          </p:cNvSpPr>
-          <p:nvPr>
-            <p:ph type="sldImg" idx="2"/>
-          </p:nvPr>
-        </p:nvSpPr>
-        <p:spPr>
-          <a:xfrm>
-            <a:off x="381000" y="685800"/>
-            <a:ext cx="6096000" cy="3429000"/>
-          </a:xfrm>
-          <a:custGeom>
-            <a:avLst/>
-            <a:gdLst/>
-            <a:ahLst/>
-            <a:cxnLst/>
-            <a:rect l="l" t="t" r="r" b="b"/>
-            <a:pathLst>
-              <a:path w="120000" h="120000" extrusionOk="0">
-                <a:moveTo>
-                  <a:pt x="0" y="0"/>
-                </a:moveTo>
-                <a:lnTo>
-                  <a:pt x="120000" y="0"/>
-                </a:lnTo>
-                <a:lnTo>
-                  <a:pt x="120000" y="120000"/>
-                </a:lnTo>
-                <a:lnTo>
-                  <a:pt x="0" y="120000"/>
-                </a:lnTo>
-                <a:close/>
-              </a:path>
-            </a:pathLst>
-          </a:custGeom>
-          <a:noFill/>
-          <a:ln w="12700" cap="flat" cmpd="sng">
-            <a:solidFill>
-              <a:srgbClr val="000000"/>
-            </a:solidFill>
-            <a:prstDash val="solid"/>
-            <a:round/>
-            <a:headEnd type="none" w="sm" len="sm"/>
-            <a:tailEnd type="none" w="sm" len="sm"/>
-          </a:ln>
-        </p:spPr>
-      </p:sp>
-    </p:spTree>
-    <p:extLst>
-      <p:ext uri="{BB962C8B-B14F-4D97-AF65-F5344CB8AC3E}">
-        <p14:creationId xmlns:p14="http://schemas.microsoft.com/office/powerpoint/2010/main" val="2625141952"/>
-      </p:ext>
-    </p:extLst>
-  </p:cSld>
-  <p:clrMapOvr>
-    <a:masterClrMapping/>
-  </p:clrMapOvr>
-</p:notes>
-</file>
-
-<file path=ppt/notesSlides/notesSlide42.xml><?xml version="1.0" encoding="utf-8"?>
 <p:notes xmlns:a="http://schemas.openxmlformats.org/drawingml/2006/main" xmlns:r="http://schemas.openxmlformats.org/officeDocument/2006/relationships" xmlns:p="http://schemas.openxmlformats.org/presentationml/2006/main" showMasterSp="0" showMasterPhAnim="0">
   <p:cSld>
     <p:spTree>
@@ -6349,7 +6221,7 @@
 </p:notes>
 </file>
 
-<file path=ppt/notesSlides/notesSlide43.xml><?xml version="1.0" encoding="utf-8"?>
+<file path=ppt/notesSlides/notesSlide42.xml><?xml version="1.0" encoding="utf-8"?>
 <p:notes xmlns:a="http://schemas.openxmlformats.org/drawingml/2006/main" xmlns:r="http://schemas.openxmlformats.org/officeDocument/2006/relationships" xmlns:p="http://schemas.openxmlformats.org/presentationml/2006/main" showMasterSp="0" showMasterPhAnim="0">
   <p:cSld>
     <p:spTree>
@@ -6471,7 +6343,7 @@
 </p:notes>
 </file>
 
-<file path=ppt/notesSlides/notesSlide44.xml><?xml version="1.0" encoding="utf-8"?>
+<file path=ppt/notesSlides/notesSlide43.xml><?xml version="1.0" encoding="utf-8"?>
 <p:notes xmlns:a="http://schemas.openxmlformats.org/drawingml/2006/main" xmlns:r="http://schemas.openxmlformats.org/officeDocument/2006/relationships" xmlns:p="http://schemas.openxmlformats.org/presentationml/2006/main" showMasterSp="0" showMasterPhAnim="0">
   <p:cSld>
     <p:spTree>
@@ -6598,7 +6470,7 @@
 </p:notes>
 </file>
 
-<file path=ppt/notesSlides/notesSlide45.xml><?xml version="1.0" encoding="utf-8"?>
+<file path=ppt/notesSlides/notesSlide44.xml><?xml version="1.0" encoding="utf-8"?>
 <p:notes xmlns:a="http://schemas.openxmlformats.org/drawingml/2006/main" xmlns:r="http://schemas.openxmlformats.org/officeDocument/2006/relationships" xmlns:p="http://schemas.openxmlformats.org/presentationml/2006/main" showMasterSp="0" showMasterPhAnim="0">
   <p:cSld>
     <p:spTree>
@@ -6725,7 +6597,7 @@
 </p:notes>
 </file>
 
-<file path=ppt/notesSlides/notesSlide46.xml><?xml version="1.0" encoding="utf-8"?>
+<file path=ppt/notesSlides/notesSlide45.xml><?xml version="1.0" encoding="utf-8"?>
 <p:notes xmlns:a="http://schemas.openxmlformats.org/drawingml/2006/main" xmlns:r="http://schemas.openxmlformats.org/officeDocument/2006/relationships" xmlns:p="http://schemas.openxmlformats.org/presentationml/2006/main" showMasterSp="0" showMasterPhAnim="0">
   <p:cSld>
     <p:spTree>
@@ -6852,7 +6724,7 @@
 </p:notes>
 </file>
 
-<file path=ppt/notesSlides/notesSlide47.xml><?xml version="1.0" encoding="utf-8"?>
+<file path=ppt/notesSlides/notesSlide46.xml><?xml version="1.0" encoding="utf-8"?>
 <p:notes xmlns:a="http://schemas.openxmlformats.org/drawingml/2006/main" xmlns:r="http://schemas.openxmlformats.org/officeDocument/2006/relationships" xmlns:p="http://schemas.openxmlformats.org/presentationml/2006/main" showMasterSp="0" showMasterPhAnim="0">
   <p:cSld>
     <p:spTree>
@@ -6974,7 +6846,7 @@
 </p:notes>
 </file>
 
-<file path=ppt/notesSlides/notesSlide48.xml><?xml version="1.0" encoding="utf-8"?>
+<file path=ppt/notesSlides/notesSlide47.xml><?xml version="1.0" encoding="utf-8"?>
 <p:notes xmlns:a="http://schemas.openxmlformats.org/drawingml/2006/main" xmlns:r="http://schemas.openxmlformats.org/officeDocument/2006/relationships" xmlns:p="http://schemas.openxmlformats.org/presentationml/2006/main" showMasterSp="0" showMasterPhAnim="0">
   <p:cSld>
     <p:spTree>
@@ -7101,7 +6973,7 @@
 </p:notes>
 </file>
 
-<file path=ppt/notesSlides/notesSlide49.xml><?xml version="1.0" encoding="utf-8"?>
+<file path=ppt/notesSlides/notesSlide48.xml><?xml version="1.0" encoding="utf-8"?>
 <p:notes xmlns:a="http://schemas.openxmlformats.org/drawingml/2006/main" xmlns:r="http://schemas.openxmlformats.org/officeDocument/2006/relationships" xmlns:p="http://schemas.openxmlformats.org/presentationml/2006/main" showMasterSp="0" showMasterPhAnim="0">
   <p:cSld>
     <p:spTree>
@@ -7228,6 +7100,133 @@
 </p:notes>
 </file>
 
+<file path=ppt/notesSlides/notesSlide49.xml><?xml version="1.0" encoding="utf-8"?>
+<p:notes xmlns:a="http://schemas.openxmlformats.org/drawingml/2006/main" xmlns:r="http://schemas.openxmlformats.org/officeDocument/2006/relationships" xmlns:p="http://schemas.openxmlformats.org/presentationml/2006/main" showMasterSp="0" showMasterPhAnim="0">
+  <p:cSld>
+    <p:spTree>
+      <p:nvGrpSpPr>
+        <p:cNvPr id="1" name="Shape 212"/>
+        <p:cNvGrpSpPr/>
+        <p:nvPr/>
+      </p:nvGrpSpPr>
+      <p:grpSpPr>
+        <a:xfrm>
+          <a:off x="0" y="0"/>
+          <a:ext cx="0" cy="0"/>
+          <a:chOff x="0" y="0"/>
+          <a:chExt cx="0" cy="0"/>
+        </a:xfrm>
+      </p:grpSpPr>
+      <p:sp>
+        <p:nvSpPr>
+          <p:cNvPr id="213" name="Google Shape;213;p64:notes"/>
+          <p:cNvSpPr txBox="1">
+            <a:spLocks noGrp="1"/>
+          </p:cNvSpPr>
+          <p:nvPr>
+            <p:ph type="body" idx="1"/>
+          </p:nvPr>
+        </p:nvSpPr>
+        <p:spPr>
+          <a:xfrm>
+            <a:off x="685800" y="4343400"/>
+            <a:ext cx="5486400" cy="4114800"/>
+          </a:xfrm>
+          <a:prstGeom prst="rect">
+            <a:avLst/>
+          </a:prstGeom>
+          <a:noFill/>
+          <a:ln>
+            <a:noFill/>
+          </a:ln>
+        </p:spPr>
+        <p:txBody>
+          <a:bodyPr spcFirstLastPara="1" wrap="square" lIns="91425" tIns="45700" rIns="91425" bIns="45700" anchor="t" anchorCtr="0">
+            <a:noAutofit/>
+          </a:bodyPr>
+          <a:lstStyle/>
+          <a:p>
+            <a:pPr marL="0" lvl="0" indent="0" algn="l" rtl="0">
+              <a:lnSpc>
+                <a:spcPct val="100000"/>
+              </a:lnSpc>
+              <a:spcBef>
+                <a:spcPts val="360"/>
+              </a:spcBef>
+              <a:spcAft>
+                <a:spcPts val="0"/>
+              </a:spcAft>
+              <a:buSzPts val="1400"/>
+              <a:buNone/>
+            </a:pPr>
+            <a:endParaRPr/>
+          </a:p>
+        </p:txBody>
+      </p:sp>
+      <p:sp>
+        <p:nvSpPr>
+          <p:cNvPr id="214" name="Google Shape;214;p64:notes"/>
+          <p:cNvSpPr>
+            <a:spLocks noGrp="1" noRot="1" noChangeAspect="1"/>
+          </p:cNvSpPr>
+          <p:nvPr>
+            <p:ph type="sldImg" idx="2"/>
+          </p:nvPr>
+        </p:nvSpPr>
+        <p:spPr>
+          <a:xfrm>
+            <a:off x="381000" y="685800"/>
+            <a:ext cx="6096000" cy="3429000"/>
+          </a:xfrm>
+          <a:custGeom>
+            <a:avLst/>
+            <a:gdLst/>
+            <a:ahLst/>
+            <a:cxnLst/>
+            <a:rect l="l" t="t" r="r" b="b"/>
+            <a:pathLst>
+              <a:path w="120000" h="120000" extrusionOk="0">
+                <a:moveTo>
+                  <a:pt x="0" y="0"/>
+                </a:moveTo>
+                <a:lnTo>
+                  <a:pt x="120000" y="0"/>
+                </a:lnTo>
+                <a:lnTo>
+                  <a:pt x="120000" y="120000"/>
+                </a:lnTo>
+                <a:lnTo>
+                  <a:pt x="0" y="120000"/>
+                </a:lnTo>
+                <a:close/>
+              </a:path>
+            </a:pathLst>
+          </a:custGeom>
+          <a:noFill/>
+          <a:ln w="12700" cap="flat" cmpd="sng">
+            <a:solidFill>
+              <a:srgbClr val="000000"/>
+            </a:solidFill>
+            <a:prstDash val="solid"/>
+            <a:round/>
+            <a:headEnd type="none" w="sm" len="sm"/>
+            <a:tailEnd type="none" w="sm" len="sm"/>
+          </a:ln>
+        </p:spPr>
+      </p:sp>
+    </p:spTree>
+    <p:extLst>
+      <p:ext uri="{BB962C8B-B14F-4D97-AF65-F5344CB8AC3E}">
+        <p14:creationId xmlns:p14="http://schemas.microsoft.com/office/powerpoint/2010/main" val="1553592753"/>
+      </p:ext>
+    </p:extLst>
+  </p:cSld>
+  <p:clrMapOvr>
+    <a:masterClrMapping/>
+  </p:clrMapOvr>
+</p:notes>
+</file>
+
 <file path=ppt/notesSlides/notesSlide5.xml><?xml version="1.0" encoding="utf-8"?>
 <p:notes xmlns:a="http://schemas.openxmlformats.org/drawingml/2006/main" xmlns:r="http://schemas.openxmlformats.org/officeDocument/2006/relationships" xmlns:p="http://schemas.openxmlformats.org/presentationml/2006/main" showMasterSp="0" showMasterPhAnim="0">
   <p:cSld>
@@ -7355,133 +7354,6 @@
   <p:cSld>
     <p:spTree>
       <p:nvGrpSpPr>
-        <p:cNvPr id="1" name="Shape 212"/>
-        <p:cNvGrpSpPr/>
-        <p:nvPr/>
-      </p:nvGrpSpPr>
-      <p:grpSpPr>
-        <a:xfrm>
-          <a:off x="0" y="0"/>
-          <a:ext cx="0" cy="0"/>
-          <a:chOff x="0" y="0"/>
-          <a:chExt cx="0" cy="0"/>
-        </a:xfrm>
-      </p:grpSpPr>
-      <p:sp>
-        <p:nvSpPr>
-          <p:cNvPr id="213" name="Google Shape;213;p64:notes"/>
-          <p:cNvSpPr txBox="1">
-            <a:spLocks noGrp="1"/>
-          </p:cNvSpPr>
-          <p:nvPr>
-            <p:ph type="body" idx="1"/>
-          </p:nvPr>
-        </p:nvSpPr>
-        <p:spPr>
-          <a:xfrm>
-            <a:off x="685800" y="4343400"/>
-            <a:ext cx="5486400" cy="4114800"/>
-          </a:xfrm>
-          <a:prstGeom prst="rect">
-            <a:avLst/>
-          </a:prstGeom>
-          <a:noFill/>
-          <a:ln>
-            <a:noFill/>
-          </a:ln>
-        </p:spPr>
-        <p:txBody>
-          <a:bodyPr spcFirstLastPara="1" wrap="square" lIns="91425" tIns="45700" rIns="91425" bIns="45700" anchor="t" anchorCtr="0">
-            <a:noAutofit/>
-          </a:bodyPr>
-          <a:lstStyle/>
-          <a:p>
-            <a:pPr marL="0" lvl="0" indent="0" algn="l" rtl="0">
-              <a:lnSpc>
-                <a:spcPct val="100000"/>
-              </a:lnSpc>
-              <a:spcBef>
-                <a:spcPts val="360"/>
-              </a:spcBef>
-              <a:spcAft>
-                <a:spcPts val="0"/>
-              </a:spcAft>
-              <a:buSzPts val="1400"/>
-              <a:buNone/>
-            </a:pPr>
-            <a:endParaRPr/>
-          </a:p>
-        </p:txBody>
-      </p:sp>
-      <p:sp>
-        <p:nvSpPr>
-          <p:cNvPr id="214" name="Google Shape;214;p64:notes"/>
-          <p:cNvSpPr>
-            <a:spLocks noGrp="1" noRot="1" noChangeAspect="1"/>
-          </p:cNvSpPr>
-          <p:nvPr>
-            <p:ph type="sldImg" idx="2"/>
-          </p:nvPr>
-        </p:nvSpPr>
-        <p:spPr>
-          <a:xfrm>
-            <a:off x="381000" y="685800"/>
-            <a:ext cx="6096000" cy="3429000"/>
-          </a:xfrm>
-          <a:custGeom>
-            <a:avLst/>
-            <a:gdLst/>
-            <a:ahLst/>
-            <a:cxnLst/>
-            <a:rect l="l" t="t" r="r" b="b"/>
-            <a:pathLst>
-              <a:path w="120000" h="120000" extrusionOk="0">
-                <a:moveTo>
-                  <a:pt x="0" y="0"/>
-                </a:moveTo>
-                <a:lnTo>
-                  <a:pt x="120000" y="0"/>
-                </a:lnTo>
-                <a:lnTo>
-                  <a:pt x="120000" y="120000"/>
-                </a:lnTo>
-                <a:lnTo>
-                  <a:pt x="0" y="120000"/>
-                </a:lnTo>
-                <a:close/>
-              </a:path>
-            </a:pathLst>
-          </a:custGeom>
-          <a:noFill/>
-          <a:ln w="12700" cap="flat" cmpd="sng">
-            <a:solidFill>
-              <a:srgbClr val="000000"/>
-            </a:solidFill>
-            <a:prstDash val="solid"/>
-            <a:round/>
-            <a:headEnd type="none" w="sm" len="sm"/>
-            <a:tailEnd type="none" w="sm" len="sm"/>
-          </a:ln>
-        </p:spPr>
-      </p:sp>
-    </p:spTree>
-    <p:extLst>
-      <p:ext uri="{BB962C8B-B14F-4D97-AF65-F5344CB8AC3E}">
-        <p14:creationId xmlns:p14="http://schemas.microsoft.com/office/powerpoint/2010/main" val="1553592753"/>
-      </p:ext>
-    </p:extLst>
-  </p:cSld>
-  <p:clrMapOvr>
-    <a:masterClrMapping/>
-  </p:clrMapOvr>
-</p:notes>
-</file>
-
-<file path=ppt/notesSlides/notesSlide51.xml><?xml version="1.0" encoding="utf-8"?>
-<p:notes xmlns:a="http://schemas.openxmlformats.org/drawingml/2006/main" xmlns:r="http://schemas.openxmlformats.org/officeDocument/2006/relationships" xmlns:p="http://schemas.openxmlformats.org/presentationml/2006/main" showMasterSp="0" showMasterPhAnim="0">
-  <p:cSld>
-    <p:spTree>
-      <p:nvGrpSpPr>
         <p:cNvPr id="1" name="Shape 218"/>
         <p:cNvGrpSpPr/>
         <p:nvPr/>
@@ -7599,7 +7471,7 @@
 </p:notes>
 </file>
 
-<file path=ppt/notesSlides/notesSlide52.xml><?xml version="1.0" encoding="utf-8"?>
+<file path=ppt/notesSlides/notesSlide51.xml><?xml version="1.0" encoding="utf-8"?>
 <p:notes xmlns:a="http://schemas.openxmlformats.org/drawingml/2006/main" xmlns:r="http://schemas.openxmlformats.org/officeDocument/2006/relationships" xmlns:p="http://schemas.openxmlformats.org/presentationml/2006/main" showMasterSp="0" showMasterPhAnim="0">
   <p:cSld>
     <p:spTree>
@@ -19302,10 +19174,14 @@
               <a:buChar char="•"/>
             </a:pPr>
             <a:r>
-              <a:rPr lang="en-US"/>
-              <a:t>Could represent a valid alternative to Mel-Spectrograms</a:t>
-            </a:r>
-            <a:endParaRPr/>
+              <a:rPr lang="en-US" dirty="0"/>
+              <a:t>Could represent a valid </a:t>
+            </a:r>
+            <a:r>
+              <a:rPr lang="en-US" b="1" dirty="0"/>
+              <a:t>alternative to Mel-Spectrograms</a:t>
+            </a:r>
+            <a:endParaRPr b="1" dirty="0"/>
           </a:p>
           <a:p>
             <a:pPr marL="342900" lvl="0" indent="-342900" algn="l" rtl="0">
@@ -19322,10 +19198,10 @@
               <a:buChar char="•"/>
             </a:pPr>
             <a:r>
-              <a:rPr lang="en-US"/>
+              <a:rPr lang="en-US" dirty="0"/>
               <a:t>Nightingale songs can be approximately considered as pieces of music</a:t>
             </a:r>
-            <a:endParaRPr/>
+            <a:endParaRPr dirty="0"/>
           </a:p>
           <a:p>
             <a:pPr marL="0" lvl="0" indent="0" algn="l" rtl="0">
@@ -19341,7 +19217,7 @@
               <a:buSzPts val="2100"/>
               <a:buNone/>
             </a:pPr>
-            <a:endParaRPr/>
+            <a:endParaRPr dirty="0"/>
           </a:p>
           <a:p>
             <a:pPr marL="0" lvl="0" indent="0" algn="l" rtl="0">
@@ -19357,7 +19233,7 @@
               <a:buSzPts val="2100"/>
               <a:buNone/>
             </a:pPr>
-            <a:endParaRPr/>
+            <a:endParaRPr dirty="0"/>
           </a:p>
           <a:p>
             <a:pPr marL="114300" lvl="0" indent="0" algn="l" rtl="0">
@@ -19373,7 +19249,7 @@
               <a:buSzPts val="1800"/>
               <a:buNone/>
             </a:pPr>
-            <a:endParaRPr sz="1600" i="1"/>
+            <a:endParaRPr sz="1600" i="1" dirty="0"/>
           </a:p>
           <a:p>
             <a:pPr marL="114300" lvl="0" indent="0" algn="l" rtl="0">
@@ -19389,7 +19265,7 @@
               <a:buSzPts val="1800"/>
               <a:buNone/>
             </a:pPr>
-            <a:endParaRPr sz="1600" i="1"/>
+            <a:endParaRPr sz="1600" i="1" dirty="0"/>
           </a:p>
           <a:p>
             <a:pPr marL="114300" lvl="0" indent="0" algn="l" rtl="0">
@@ -19405,7 +19281,7 @@
               <a:buSzPts val="1800"/>
               <a:buNone/>
             </a:pPr>
-            <a:endParaRPr sz="1600" i="1"/>
+            <a:endParaRPr sz="1600" i="1" dirty="0"/>
           </a:p>
           <a:p>
             <a:pPr marL="114300" lvl="0" indent="0" algn="l" rtl="0">
@@ -19421,7 +19297,7 @@
               <a:buSzPts val="1800"/>
               <a:buNone/>
             </a:pPr>
-            <a:endParaRPr sz="1600" i="1"/>
+            <a:endParaRPr sz="1600" i="1" dirty="0"/>
           </a:p>
           <a:p>
             <a:pPr marL="114300" lvl="0" indent="0" algn="l" rtl="0">
@@ -19437,7 +19313,7 @@
               <a:buSzPts val="1800"/>
               <a:buNone/>
             </a:pPr>
-            <a:endParaRPr sz="1600" i="1"/>
+            <a:endParaRPr sz="1600" i="1" dirty="0"/>
           </a:p>
           <a:p>
             <a:pPr marL="114300" lvl="0" indent="0" algn="l" rtl="0">
@@ -19453,7 +19329,7 @@
               <a:buSzPts val="1800"/>
               <a:buNone/>
             </a:pPr>
-            <a:endParaRPr sz="1600" i="1"/>
+            <a:endParaRPr sz="1600" i="1" dirty="0"/>
           </a:p>
           <a:p>
             <a:pPr marL="114300" lvl="0" indent="0" algn="l" rtl="0">
@@ -19469,7 +19345,7 @@
               <a:buSzPts val="1800"/>
               <a:buNone/>
             </a:pPr>
-            <a:endParaRPr sz="1600"/>
+            <a:endParaRPr sz="1600" dirty="0"/>
           </a:p>
           <a:p>
             <a:pPr marL="171450" lvl="0" indent="-38100" algn="l" rtl="0">
@@ -19488,7 +19364,7 @@
               <a:buSzPts val="2100"/>
               <a:buNone/>
             </a:pPr>
-            <a:endParaRPr/>
+            <a:endParaRPr dirty="0"/>
           </a:p>
         </p:txBody>
       </p:sp>
@@ -22078,7 +21954,7 @@
             </a:pPr>
             <a:r>
               <a:rPr lang="en-US" dirty="0"/>
-              <a:t>Exploit the generate labels for a better representation</a:t>
+              <a:t>Exploit the generated labels for a better representation</a:t>
             </a:r>
           </a:p>
           <a:p>
@@ -26738,7 +26614,7 @@
             </a:r>
             <a:r>
               <a:rPr lang="en-GB" dirty="0"/>
-              <a:t> the actual recording of a nightingale: it represents an answer to the stimulus arrived from CH1</a:t>
+              <a:t> the actual recording of a nightingale. It represents an answer to the stimulus arrived from CH1</a:t>
             </a:r>
             <a:endParaRPr lang="en-US" dirty="0"/>
           </a:p>
@@ -29069,7 +28945,7 @@
         <p:spPr>
           <a:xfrm>
             <a:off x="351064" y="1657350"/>
-            <a:ext cx="1583872" cy="2343150"/>
+            <a:ext cx="1944948" cy="2343150"/>
           </a:xfrm>
           <a:prstGeom prst="rect">
             <a:avLst/>
@@ -29158,6 +29034,396 @@
           </a:extLst>
         </p:spPr>
       </p:pic>
+      <p:sp>
+        <p:nvSpPr>
+          <p:cNvPr id="7" name="Oval 6">
+            <a:extLst>
+              <a:ext uri="{FF2B5EF4-FFF2-40B4-BE49-F238E27FC236}">
+                <a16:creationId xmlns:a16="http://schemas.microsoft.com/office/drawing/2014/main" id="{25551764-C206-BC77-5CCC-19DF82C935D0}"/>
+              </a:ext>
+            </a:extLst>
+          </p:cNvPr>
+          <p:cNvSpPr/>
+          <p:nvPr/>
+        </p:nvSpPr>
+        <p:spPr>
+          <a:xfrm>
+            <a:off x="1928232" y="2644452"/>
+            <a:ext cx="269676" cy="274694"/>
+          </a:xfrm>
+          <a:prstGeom prst="ellipse">
+            <a:avLst/>
+          </a:prstGeom>
+          <a:noFill/>
+          <a:ln>
+            <a:solidFill>
+              <a:srgbClr val="C00000"/>
+            </a:solidFill>
+          </a:ln>
+        </p:spPr>
+        <p:style>
+          <a:lnRef idx="2">
+            <a:schemeClr val="accent1">
+              <a:shade val="50000"/>
+            </a:schemeClr>
+          </a:lnRef>
+          <a:fillRef idx="1">
+            <a:schemeClr val="accent1"/>
+          </a:fillRef>
+          <a:effectRef idx="0">
+            <a:schemeClr val="accent1"/>
+          </a:effectRef>
+          <a:fontRef idx="minor">
+            <a:schemeClr val="lt1"/>
+          </a:fontRef>
+        </p:style>
+        <p:txBody>
+          <a:bodyPr rtlCol="0" anchor="ctr"/>
+          <a:lstStyle/>
+          <a:p>
+            <a:pPr algn="ctr"/>
+            <a:endParaRPr lang="en-US"/>
+          </a:p>
+        </p:txBody>
+      </p:sp>
+      <p:cxnSp>
+        <p:nvCxnSpPr>
+          <p:cNvPr id="8" name="Straight Arrow Connector 7">
+            <a:extLst>
+              <a:ext uri="{FF2B5EF4-FFF2-40B4-BE49-F238E27FC236}">
+                <a16:creationId xmlns:a16="http://schemas.microsoft.com/office/drawing/2014/main" id="{AC8D462F-2C7A-4A96-9F57-58078EE78E21}"/>
+              </a:ext>
+            </a:extLst>
+          </p:cNvPr>
+          <p:cNvCxnSpPr>
+            <a:cxnSpLocks/>
+          </p:cNvCxnSpPr>
+          <p:nvPr/>
+        </p:nvCxnSpPr>
+        <p:spPr>
+          <a:xfrm>
+            <a:off x="2092879" y="2919146"/>
+            <a:ext cx="912089" cy="1121398"/>
+          </a:xfrm>
+          <a:prstGeom prst="straightConnector1">
+            <a:avLst/>
+          </a:prstGeom>
+          <a:ln w="22225">
+            <a:solidFill>
+              <a:srgbClr val="C00000"/>
+            </a:solidFill>
+            <a:tailEnd type="triangle"/>
+          </a:ln>
+        </p:spPr>
+        <p:style>
+          <a:lnRef idx="1">
+            <a:schemeClr val="accent1"/>
+          </a:lnRef>
+          <a:fillRef idx="0">
+            <a:schemeClr val="accent1"/>
+          </a:fillRef>
+          <a:effectRef idx="0">
+            <a:schemeClr val="accent1"/>
+          </a:effectRef>
+          <a:fontRef idx="minor">
+            <a:schemeClr val="tx1"/>
+          </a:fontRef>
+        </p:style>
+      </p:cxnSp>
+      <p:sp>
+        <p:nvSpPr>
+          <p:cNvPr id="9" name="Text Placeholder 5">
+            <a:extLst>
+              <a:ext uri="{FF2B5EF4-FFF2-40B4-BE49-F238E27FC236}">
+                <a16:creationId xmlns:a16="http://schemas.microsoft.com/office/drawing/2014/main" id="{DC987484-9406-A67E-A10B-3FDBF6EA8963}"/>
+              </a:ext>
+            </a:extLst>
+          </p:cNvPr>
+          <p:cNvSpPr txBox="1">
+            <a:spLocks/>
+          </p:cNvSpPr>
+          <p:nvPr/>
+        </p:nvSpPr>
+        <p:spPr>
+          <a:xfrm>
+            <a:off x="2657196" y="3996328"/>
+            <a:ext cx="1256197" cy="524895"/>
+          </a:xfrm>
+          <a:prstGeom prst="rect">
+            <a:avLst/>
+          </a:prstGeom>
+          <a:noFill/>
+          <a:ln>
+            <a:noFill/>
+          </a:ln>
+        </p:spPr>
+        <p:txBody>
+          <a:bodyPr spcFirstLastPara="1" wrap="square" lIns="91425" tIns="45700" rIns="91425" bIns="45700" anchor="t" anchorCtr="0">
+            <a:normAutofit fontScale="70000" lnSpcReduction="20000"/>
+          </a:bodyPr>
+          <a:lstStyle>
+            <a:defPPr marR="0" lvl="0" algn="l" rtl="0">
+              <a:lnSpc>
+                <a:spcPct val="100000"/>
+              </a:lnSpc>
+              <a:spcBef>
+                <a:spcPts val="0"/>
+              </a:spcBef>
+              <a:spcAft>
+                <a:spcPts val="0"/>
+              </a:spcAft>
+            </a:defPPr>
+            <a:lvl1pPr marL="457200" marR="0" lvl="0" indent="-342900" algn="l" rtl="0">
+              <a:lnSpc>
+                <a:spcPct val="90000"/>
+              </a:lnSpc>
+              <a:spcBef>
+                <a:spcPts val="750"/>
+              </a:spcBef>
+              <a:spcAft>
+                <a:spcPts val="0"/>
+              </a:spcAft>
+              <a:buClr>
+                <a:schemeClr val="dk1"/>
+              </a:buClr>
+              <a:buSzPts val="1800"/>
+              <a:buFont typeface="Arial"/>
+              <a:buChar char="•"/>
+              <a:defRPr sz="2100" b="0" i="0" u="none" strike="noStrike" cap="none">
+                <a:solidFill>
+                  <a:schemeClr val="dk1"/>
+                </a:solidFill>
+                <a:latin typeface="Calibri"/>
+                <a:ea typeface="Calibri"/>
+                <a:cs typeface="Calibri"/>
+                <a:sym typeface="Calibri"/>
+              </a:defRPr>
+            </a:lvl1pPr>
+            <a:lvl2pPr marL="914400" marR="0" lvl="1" indent="-342900" algn="l" rtl="0">
+              <a:lnSpc>
+                <a:spcPct val="90000"/>
+              </a:lnSpc>
+              <a:spcBef>
+                <a:spcPts val="375"/>
+              </a:spcBef>
+              <a:spcAft>
+                <a:spcPts val="0"/>
+              </a:spcAft>
+              <a:buClr>
+                <a:schemeClr val="dk1"/>
+              </a:buClr>
+              <a:buSzPts val="1800"/>
+              <a:buFont typeface="Arial"/>
+              <a:buChar char="•"/>
+              <a:defRPr sz="1800" b="0" i="0" u="none" strike="noStrike" cap="none">
+                <a:solidFill>
+                  <a:schemeClr val="dk1"/>
+                </a:solidFill>
+                <a:latin typeface="Calibri"/>
+                <a:ea typeface="Calibri"/>
+                <a:cs typeface="Calibri"/>
+                <a:sym typeface="Calibri"/>
+              </a:defRPr>
+            </a:lvl2pPr>
+            <a:lvl3pPr marL="1371600" marR="0" lvl="2" indent="-342900" algn="l" rtl="0">
+              <a:lnSpc>
+                <a:spcPct val="90000"/>
+              </a:lnSpc>
+              <a:spcBef>
+                <a:spcPts val="375"/>
+              </a:spcBef>
+              <a:spcAft>
+                <a:spcPts val="0"/>
+              </a:spcAft>
+              <a:buClr>
+                <a:schemeClr val="dk1"/>
+              </a:buClr>
+              <a:buSzPts val="1800"/>
+              <a:buFont typeface="Arial"/>
+              <a:buChar char="•"/>
+              <a:defRPr sz="1500" b="0" i="0" u="none" strike="noStrike" cap="none">
+                <a:solidFill>
+                  <a:schemeClr val="dk1"/>
+                </a:solidFill>
+                <a:latin typeface="Calibri"/>
+                <a:ea typeface="Calibri"/>
+                <a:cs typeface="Calibri"/>
+                <a:sym typeface="Calibri"/>
+              </a:defRPr>
+            </a:lvl3pPr>
+            <a:lvl4pPr marL="1828800" marR="0" lvl="3" indent="-342900" algn="l" rtl="0">
+              <a:lnSpc>
+                <a:spcPct val="90000"/>
+              </a:lnSpc>
+              <a:spcBef>
+                <a:spcPts val="375"/>
+              </a:spcBef>
+              <a:spcAft>
+                <a:spcPts val="0"/>
+              </a:spcAft>
+              <a:buClr>
+                <a:schemeClr val="dk1"/>
+              </a:buClr>
+              <a:buSzPts val="1800"/>
+              <a:buFont typeface="Arial"/>
+              <a:buChar char="•"/>
+              <a:defRPr sz="1350" b="0" i="0" u="none" strike="noStrike" cap="none">
+                <a:solidFill>
+                  <a:schemeClr val="dk1"/>
+                </a:solidFill>
+                <a:latin typeface="Calibri"/>
+                <a:ea typeface="Calibri"/>
+                <a:cs typeface="Calibri"/>
+                <a:sym typeface="Calibri"/>
+              </a:defRPr>
+            </a:lvl4pPr>
+            <a:lvl5pPr marL="2286000" marR="0" lvl="4" indent="-342900" algn="l" rtl="0">
+              <a:lnSpc>
+                <a:spcPct val="90000"/>
+              </a:lnSpc>
+              <a:spcBef>
+                <a:spcPts val="375"/>
+              </a:spcBef>
+              <a:spcAft>
+                <a:spcPts val="0"/>
+              </a:spcAft>
+              <a:buClr>
+                <a:schemeClr val="dk1"/>
+              </a:buClr>
+              <a:buSzPts val="1800"/>
+              <a:buFont typeface="Arial"/>
+              <a:buChar char="•"/>
+              <a:defRPr sz="1350" b="0" i="0" u="none" strike="noStrike" cap="none">
+                <a:solidFill>
+                  <a:schemeClr val="dk1"/>
+                </a:solidFill>
+                <a:latin typeface="Calibri"/>
+                <a:ea typeface="Calibri"/>
+                <a:cs typeface="Calibri"/>
+                <a:sym typeface="Calibri"/>
+              </a:defRPr>
+            </a:lvl5pPr>
+            <a:lvl6pPr marL="2743200" marR="0" lvl="5" indent="-342900" algn="l" rtl="0">
+              <a:lnSpc>
+                <a:spcPct val="90000"/>
+              </a:lnSpc>
+              <a:spcBef>
+                <a:spcPts val="375"/>
+              </a:spcBef>
+              <a:spcAft>
+                <a:spcPts val="0"/>
+              </a:spcAft>
+              <a:buClr>
+                <a:schemeClr val="dk1"/>
+              </a:buClr>
+              <a:buSzPts val="1800"/>
+              <a:buFont typeface="Arial"/>
+              <a:buChar char="•"/>
+              <a:defRPr sz="1350" b="0" i="0" u="none" strike="noStrike" cap="none">
+                <a:solidFill>
+                  <a:schemeClr val="dk1"/>
+                </a:solidFill>
+                <a:latin typeface="Calibri"/>
+                <a:ea typeface="Calibri"/>
+                <a:cs typeface="Calibri"/>
+                <a:sym typeface="Calibri"/>
+              </a:defRPr>
+            </a:lvl6pPr>
+            <a:lvl7pPr marL="3200400" marR="0" lvl="6" indent="-342900" algn="l" rtl="0">
+              <a:lnSpc>
+                <a:spcPct val="90000"/>
+              </a:lnSpc>
+              <a:spcBef>
+                <a:spcPts val="375"/>
+              </a:spcBef>
+              <a:spcAft>
+                <a:spcPts val="0"/>
+              </a:spcAft>
+              <a:buClr>
+                <a:schemeClr val="dk1"/>
+              </a:buClr>
+              <a:buSzPts val="1800"/>
+              <a:buFont typeface="Arial"/>
+              <a:buChar char="•"/>
+              <a:defRPr sz="1350" b="0" i="0" u="none" strike="noStrike" cap="none">
+                <a:solidFill>
+                  <a:schemeClr val="dk1"/>
+                </a:solidFill>
+                <a:latin typeface="Calibri"/>
+                <a:ea typeface="Calibri"/>
+                <a:cs typeface="Calibri"/>
+                <a:sym typeface="Calibri"/>
+              </a:defRPr>
+            </a:lvl7pPr>
+            <a:lvl8pPr marL="3657600" marR="0" lvl="7" indent="-342900" algn="l" rtl="0">
+              <a:lnSpc>
+                <a:spcPct val="90000"/>
+              </a:lnSpc>
+              <a:spcBef>
+                <a:spcPts val="375"/>
+              </a:spcBef>
+              <a:spcAft>
+                <a:spcPts val="0"/>
+              </a:spcAft>
+              <a:buClr>
+                <a:schemeClr val="dk1"/>
+              </a:buClr>
+              <a:buSzPts val="1800"/>
+              <a:buFont typeface="Arial"/>
+              <a:buChar char="•"/>
+              <a:defRPr sz="1350" b="0" i="0" u="none" strike="noStrike" cap="none">
+                <a:solidFill>
+                  <a:schemeClr val="dk1"/>
+                </a:solidFill>
+                <a:latin typeface="Calibri"/>
+                <a:ea typeface="Calibri"/>
+                <a:cs typeface="Calibri"/>
+                <a:sym typeface="Calibri"/>
+              </a:defRPr>
+            </a:lvl8pPr>
+            <a:lvl9pPr marL="4114800" marR="0" lvl="8" indent="-342900" algn="l" rtl="0">
+              <a:lnSpc>
+                <a:spcPct val="90000"/>
+              </a:lnSpc>
+              <a:spcBef>
+                <a:spcPts val="375"/>
+              </a:spcBef>
+              <a:spcAft>
+                <a:spcPts val="0"/>
+              </a:spcAft>
+              <a:buClr>
+                <a:schemeClr val="dk1"/>
+              </a:buClr>
+              <a:buSzPts val="1800"/>
+              <a:buFont typeface="Arial"/>
+              <a:buChar char="•"/>
+              <a:defRPr sz="1350" b="0" i="0" u="none" strike="noStrike" cap="none">
+                <a:solidFill>
+                  <a:schemeClr val="dk1"/>
+                </a:solidFill>
+                <a:latin typeface="Calibri"/>
+                <a:ea typeface="Calibri"/>
+                <a:cs typeface="Calibri"/>
+                <a:sym typeface="Calibri"/>
+              </a:defRPr>
+            </a:lvl9pPr>
+          </a:lstStyle>
+          <a:p>
+            <a:pPr marL="114300" indent="0">
+              <a:buFont typeface="Arial"/>
+              <a:buNone/>
+            </a:pPr>
+            <a:r>
+              <a:rPr lang="en-US" dirty="0">
+                <a:solidFill>
+                  <a:srgbClr val="C00000"/>
+                </a:solidFill>
+              </a:rPr>
+              <a:t>Dot product</a:t>
+            </a:r>
+          </a:p>
+        </p:txBody>
+      </p:sp>
     </p:spTree>
     <p:extLst>
       <p:ext uri="{BB962C8B-B14F-4D97-AF65-F5344CB8AC3E}">
@@ -29229,6 +29495,129 @@
                       </p:childTnLst>
                     </p:cTn>
                   </p:par>
+                  <p:par>
+                    <p:cTn id="8" fill="hold">
+                      <p:stCondLst>
+                        <p:cond delay="indefinite"/>
+                      </p:stCondLst>
+                      <p:childTnLst>
+                        <p:par>
+                          <p:cTn id="9" fill="hold">
+                            <p:stCondLst>
+                              <p:cond delay="0"/>
+                            </p:stCondLst>
+                            <p:childTnLst>
+                              <p:par>
+                                <p:cTn id="10" presetID="10" presetClass="entr" presetSubtype="0" fill="hold" grpId="0" nodeType="clickEffect">
+                                  <p:stCondLst>
+                                    <p:cond delay="0"/>
+                                  </p:stCondLst>
+                                  <p:childTnLst>
+                                    <p:set>
+                                      <p:cBhvr>
+                                        <p:cTn id="11" dur="1" fill="hold">
+                                          <p:stCondLst>
+                                            <p:cond delay="0"/>
+                                          </p:stCondLst>
+                                        </p:cTn>
+                                        <p:tgtEl>
+                                          <p:spTgt spid="7"/>
+                                        </p:tgtEl>
+                                        <p:attrNameLst>
+                                          <p:attrName>style.visibility</p:attrName>
+                                        </p:attrNameLst>
+                                      </p:cBhvr>
+                                      <p:to>
+                                        <p:strVal val="visible"/>
+                                      </p:to>
+                                    </p:set>
+                                    <p:animEffect transition="in" filter="fade">
+                                      <p:cBhvr>
+                                        <p:cTn id="12" dur="500"/>
+                                        <p:tgtEl>
+                                          <p:spTgt spid="7"/>
+                                        </p:tgtEl>
+                                      </p:cBhvr>
+                                    </p:animEffect>
+                                  </p:childTnLst>
+                                </p:cTn>
+                              </p:par>
+                              <p:par>
+                                <p:cTn id="13" presetID="10" presetClass="entr" presetSubtype="0" fill="hold" nodeType="withEffect">
+                                  <p:stCondLst>
+                                    <p:cond delay="0"/>
+                                  </p:stCondLst>
+                                  <p:childTnLst>
+                                    <p:set>
+                                      <p:cBhvr>
+                                        <p:cTn id="14" dur="1" fill="hold">
+                                          <p:stCondLst>
+                                            <p:cond delay="0"/>
+                                          </p:stCondLst>
+                                        </p:cTn>
+                                        <p:tgtEl>
+                                          <p:spTgt spid="8"/>
+                                        </p:tgtEl>
+                                        <p:attrNameLst>
+                                          <p:attrName>style.visibility</p:attrName>
+                                        </p:attrNameLst>
+                                      </p:cBhvr>
+                                      <p:to>
+                                        <p:strVal val="visible"/>
+                                      </p:to>
+                                    </p:set>
+                                    <p:animEffect transition="in" filter="fade">
+                                      <p:cBhvr>
+                                        <p:cTn id="15" dur="500"/>
+                                        <p:tgtEl>
+                                          <p:spTgt spid="8"/>
+                                        </p:tgtEl>
+                                      </p:cBhvr>
+                                    </p:animEffect>
+                                  </p:childTnLst>
+                                </p:cTn>
+                              </p:par>
+                              <p:par>
+                                <p:cTn id="16" presetID="10" presetClass="entr" presetSubtype="0" fill="hold" grpId="0" nodeType="withEffect">
+                                  <p:stCondLst>
+                                    <p:cond delay="0"/>
+                                  </p:stCondLst>
+                                  <p:childTnLst>
+                                    <p:set>
+                                      <p:cBhvr>
+                                        <p:cTn id="17" dur="1" fill="hold">
+                                          <p:stCondLst>
+                                            <p:cond delay="0"/>
+                                          </p:stCondLst>
+                                        </p:cTn>
+                                        <p:tgtEl>
+                                          <p:spTgt spid="9"/>
+                                        </p:tgtEl>
+                                        <p:attrNameLst>
+                                          <p:attrName>style.visibility</p:attrName>
+                                        </p:attrNameLst>
+                                      </p:cBhvr>
+                                      <p:to>
+                                        <p:strVal val="visible"/>
+                                      </p:to>
+                                    </p:set>
+                                    <p:animEffect transition="in" filter="fade">
+                                      <p:cBhvr>
+                                        <p:cTn id="18" dur="500"/>
+                                        <p:tgtEl>
+                                          <p:spTgt spid="9"/>
+                                        </p:tgtEl>
+                                      </p:cBhvr>
+                                    </p:animEffect>
+                                  </p:childTnLst>
+                                </p:cTn>
+                              </p:par>
+                            </p:childTnLst>
+                          </p:cTn>
+                        </p:par>
+                      </p:childTnLst>
+                    </p:cTn>
+                  </p:par>
                 </p:childTnLst>
               </p:cTn>
               <p:prevCondLst>
@@ -29252,6 +29641,8 @@
     </p:tnLst>
     <p:bldLst>
       <p:bldP spid="3" grpId="0" animBg="1"/>
+      <p:bldP spid="7" grpId="0" animBg="1"/>
+      <p:bldP spid="9" grpId="0"/>
     </p:bldLst>
   </p:timing>
 </p:sld>
@@ -29456,6 +29847,28 @@
             </a:pPr>
             <a:r>
               <a:rPr lang="en-US" dirty="0"/>
+              <a:t>Decide which </a:t>
+            </a:r>
+            <a:r>
+              <a:rPr lang="en-US" b="1" dirty="0"/>
+              <a:t>clustering algorithms </a:t>
+            </a:r>
+            <a:r>
+              <a:rPr lang="en-US" dirty="0"/>
+              <a:t>to use</a:t>
+            </a:r>
+            <a:br>
+              <a:rPr lang="en-US" dirty="0"/>
+            </a:br>
+            <a:endParaRPr lang="en-US" dirty="0"/>
+          </a:p>
+          <a:p>
+            <a:pPr lvl="1">
+              <a:buFont typeface="Arial"/>
+              <a:buAutoNum type="arabicPeriod"/>
+            </a:pPr>
+            <a:r>
+              <a:rPr lang="en-US" dirty="0"/>
               <a:t> </a:t>
             </a:r>
             <a:r>
@@ -29497,330 +29910,6 @@
 </file>
 
 <file path=ppt/slides/slide40.xml><?xml version="1.0" encoding="utf-8"?>
-<p:sld xmlns:a="http://schemas.openxmlformats.org/drawingml/2006/main" xmlns:r="http://schemas.openxmlformats.org/officeDocument/2006/relationships" xmlns:p="http://schemas.openxmlformats.org/presentationml/2006/main">
-  <p:cSld>
-    <p:spTree>
-      <p:nvGrpSpPr>
-        <p:cNvPr id="1" name="Shape 203"/>
-        <p:cNvGrpSpPr/>
-        <p:nvPr/>
-      </p:nvGrpSpPr>
-      <p:grpSpPr>
-        <a:xfrm>
-          <a:off x="0" y="0"/>
-          <a:ext cx="0" cy="0"/>
-          <a:chOff x="0" y="0"/>
-          <a:chExt cx="0" cy="0"/>
-        </a:xfrm>
-      </p:grpSpPr>
-      <p:sp>
-        <p:nvSpPr>
-          <p:cNvPr id="204" name="Google Shape;204;p62"/>
-          <p:cNvSpPr txBox="1">
-            <a:spLocks noGrp="1"/>
-          </p:cNvSpPr>
-          <p:nvPr>
-            <p:ph type="title"/>
-          </p:nvPr>
-        </p:nvSpPr>
-        <p:spPr>
-          <a:xfrm>
-            <a:off x="628650" y="273844"/>
-            <a:ext cx="7886700" cy="994172"/>
-          </a:xfrm>
-          <a:prstGeom prst="rect">
-            <a:avLst/>
-          </a:prstGeom>
-          <a:noFill/>
-          <a:ln>
-            <a:noFill/>
-          </a:ln>
-        </p:spPr>
-        <p:txBody>
-          <a:bodyPr spcFirstLastPara="1" wrap="square" lIns="91425" tIns="45700" rIns="91425" bIns="45700" anchor="ctr" anchorCtr="0">
-            <a:normAutofit/>
-          </a:bodyPr>
-          <a:lstStyle/>
-          <a:p>
-            <a:pPr marL="0" lvl="0" indent="0" algn="l" rtl="0">
-              <a:lnSpc>
-                <a:spcPct val="90000"/>
-              </a:lnSpc>
-              <a:spcBef>
-                <a:spcPts val="0"/>
-              </a:spcBef>
-              <a:spcAft>
-                <a:spcPts val="0"/>
-              </a:spcAft>
-              <a:buClr>
-                <a:srgbClr val="BB2E29"/>
-              </a:buClr>
-              <a:buSzPts val="3300"/>
-              <a:buFont typeface="Calibri"/>
-              <a:buNone/>
-            </a:pPr>
-            <a:r>
-              <a:rPr lang="en-US" dirty="0"/>
-              <a:t>NSCNet - ArcFace Loss</a:t>
-            </a:r>
-            <a:endParaRPr dirty="0"/>
-          </a:p>
-        </p:txBody>
-      </p:sp>
-      <p:pic>
-        <p:nvPicPr>
-          <p:cNvPr id="2050" name="Picture 2" descr="Chart&#10;&#10;Description automatically generated">
-            <a:extLst>
-              <a:ext uri="{FF2B5EF4-FFF2-40B4-BE49-F238E27FC236}">
-                <a16:creationId xmlns:a16="http://schemas.microsoft.com/office/drawing/2014/main" id="{BBEA096E-C399-9AD2-340D-A6CA6D9851B4}"/>
-              </a:ext>
-            </a:extLst>
-          </p:cNvPr>
-          <p:cNvPicPr>
-            <a:picLocks noChangeAspect="1" noChangeArrowheads="1"/>
-          </p:cNvPicPr>
-          <p:nvPr/>
-        </p:nvPicPr>
-        <p:blipFill>
-          <a:blip r:embed="rId3">
-            <a:extLst>
-              <a:ext uri="{28A0092B-C50C-407E-A947-70E740481C1C}">
-                <a14:useLocalDpi xmlns:a14="http://schemas.microsoft.com/office/drawing/2010/main" val="0"/>
-              </a:ext>
-            </a:extLst>
-          </a:blip>
-          <a:srcRect/>
-          <a:stretch>
-            <a:fillRect/>
-          </a:stretch>
-        </p:blipFill>
-        <p:spPr bwMode="auto">
-          <a:xfrm>
-            <a:off x="139700" y="1657350"/>
-            <a:ext cx="8864600" cy="2286000"/>
-          </a:xfrm>
-          <a:prstGeom prst="rect">
-            <a:avLst/>
-          </a:prstGeom>
-          <a:noFill/>
-          <a:extLst>
-            <a:ext uri="{909E8E84-426E-40DD-AFC4-6F175D3DCCD1}">
-              <a14:hiddenFill xmlns:a14="http://schemas.microsoft.com/office/drawing/2010/main">
-                <a:solidFill>
-                  <a:srgbClr val="FFFFFF"/>
-                </a:solidFill>
-              </a14:hiddenFill>
-            </a:ext>
-          </a:extLst>
-        </p:spPr>
-      </p:pic>
-      <p:sp>
-        <p:nvSpPr>
-          <p:cNvPr id="3" name="Rectangle 2">
-            <a:extLst>
-              <a:ext uri="{FF2B5EF4-FFF2-40B4-BE49-F238E27FC236}">
-                <a16:creationId xmlns:a16="http://schemas.microsoft.com/office/drawing/2014/main" id="{9D1EE882-F597-A623-7CF8-E607AC56DAE3}"/>
-              </a:ext>
-            </a:extLst>
-          </p:cNvPr>
-          <p:cNvSpPr/>
-          <p:nvPr/>
-        </p:nvSpPr>
-        <p:spPr>
-          <a:xfrm>
-            <a:off x="1877785" y="2616653"/>
-            <a:ext cx="351065" cy="367393"/>
-          </a:xfrm>
-          <a:prstGeom prst="rect">
-            <a:avLst/>
-          </a:prstGeom>
-          <a:noFill/>
-          <a:ln>
-            <a:solidFill>
-              <a:srgbClr val="C00000"/>
-            </a:solidFill>
-          </a:ln>
-        </p:spPr>
-        <p:style>
-          <a:lnRef idx="2">
-            <a:schemeClr val="accent1">
-              <a:shade val="50000"/>
-            </a:schemeClr>
-          </a:lnRef>
-          <a:fillRef idx="1">
-            <a:schemeClr val="accent1"/>
-          </a:fillRef>
-          <a:effectRef idx="0">
-            <a:schemeClr val="accent1"/>
-          </a:effectRef>
-          <a:fontRef idx="minor">
-            <a:schemeClr val="lt1"/>
-          </a:fontRef>
-        </p:style>
-        <p:txBody>
-          <a:bodyPr rtlCol="0" anchor="ctr"/>
-          <a:lstStyle/>
-          <a:p>
-            <a:pPr algn="ctr"/>
-            <a:endParaRPr lang="en-US"/>
-          </a:p>
-        </p:txBody>
-      </p:sp>
-      <p:pic>
-        <p:nvPicPr>
-          <p:cNvPr id="5" name="Picture 2" descr="Shape, polygon&#10;&#10;Description automatically generated">
-            <a:extLst>
-              <a:ext uri="{FF2B5EF4-FFF2-40B4-BE49-F238E27FC236}">
-                <a16:creationId xmlns:a16="http://schemas.microsoft.com/office/drawing/2014/main" id="{5015164C-8AE4-69B7-F6EE-599076C98D22}"/>
-              </a:ext>
-            </a:extLst>
-          </p:cNvPr>
-          <p:cNvPicPr>
-            <a:picLocks noChangeAspect="1" noChangeArrowheads="1"/>
-          </p:cNvPicPr>
-          <p:nvPr/>
-        </p:nvPicPr>
-        <p:blipFill>
-          <a:blip r:embed="rId4">
-            <a:extLst>
-              <a:ext uri="{28A0092B-C50C-407E-A947-70E740481C1C}">
-                <a14:useLocalDpi xmlns:a14="http://schemas.microsoft.com/office/drawing/2010/main" val="0"/>
-              </a:ext>
-            </a:extLst>
-          </a:blip>
-          <a:srcRect/>
-          <a:stretch>
-            <a:fillRect/>
-          </a:stretch>
-        </p:blipFill>
-        <p:spPr bwMode="auto">
-          <a:xfrm>
-            <a:off x="7551839" y="150608"/>
-            <a:ext cx="1452461" cy="620322"/>
-          </a:xfrm>
-          <a:prstGeom prst="rect">
-            <a:avLst/>
-          </a:prstGeom>
-          <a:noFill/>
-          <a:ln w="6350">
-            <a:solidFill>
-              <a:srgbClr val="C00000"/>
-            </a:solidFill>
-          </a:ln>
-          <a:extLst>
-            <a:ext uri="{909E8E84-426E-40DD-AFC4-6F175D3DCCD1}">
-              <a14:hiddenFill xmlns:a14="http://schemas.microsoft.com/office/drawing/2010/main">
-                <a:solidFill>
-                  <a:srgbClr val="FFFFFF"/>
-                </a:solidFill>
-              </a14:hiddenFill>
-            </a:ext>
-          </a:extLst>
-        </p:spPr>
-      </p:pic>
-    </p:spTree>
-    <p:extLst>
-      <p:ext uri="{BB962C8B-B14F-4D97-AF65-F5344CB8AC3E}">
-        <p14:creationId xmlns:p14="http://schemas.microsoft.com/office/powerpoint/2010/main" val="2697800789"/>
-      </p:ext>
-    </p:extLst>
-  </p:cSld>
-  <p:clrMapOvr>
-    <a:masterClrMapping/>
-  </p:clrMapOvr>
-  <p:timing>
-    <p:tnLst>
-      <p:par>
-        <p:cTn id="1" dur="indefinite" restart="never" nodeType="tmRoot">
-          <p:childTnLst>
-            <p:seq concurrent="1" nextAc="seek">
-              <p:cTn id="2" dur="indefinite" nodeType="mainSeq">
-                <p:childTnLst>
-                  <p:par>
-                    <p:cTn id="3" fill="hold">
-                      <p:stCondLst>
-                        <p:cond delay="indefinite"/>
-                        <p:cond evt="onBegin" delay="0">
-                          <p:tn val="2"/>
-                        </p:cond>
-                      </p:stCondLst>
-                      <p:childTnLst>
-                        <p:par>
-                          <p:cTn id="4" fill="hold">
-                            <p:stCondLst>
-                              <p:cond delay="0"/>
-                            </p:stCondLst>
-                            <p:childTnLst>
-                              <p:par>
-                                <p:cTn id="5" presetID="10" presetClass="entr" presetSubtype="0" fill="hold" grpId="0" nodeType="withEffect">
-                                  <p:stCondLst>
-                                    <p:cond delay="0"/>
-                                  </p:stCondLst>
-                                  <p:childTnLst>
-                                    <p:set>
-                                      <p:cBhvr>
-                                        <p:cTn id="6" dur="1" fill="hold">
-                                          <p:stCondLst>
-                                            <p:cond delay="0"/>
-                                          </p:stCondLst>
-                                        </p:cTn>
-                                        <p:tgtEl>
-                                          <p:spTgt spid="3"/>
-                                        </p:tgtEl>
-                                        <p:attrNameLst>
-                                          <p:attrName>style.visibility</p:attrName>
-                                        </p:attrNameLst>
-                                      </p:cBhvr>
-                                      <p:to>
-                                        <p:strVal val="visible"/>
-                                      </p:to>
-                                    </p:set>
-                                    <p:animEffect transition="in" filter="fade">
-                                      <p:cBhvr>
-                                        <p:cTn id="7" dur="1000"/>
-                                        <p:tgtEl>
-                                          <p:spTgt spid="3"/>
-                                        </p:tgtEl>
-                                      </p:cBhvr>
-                                    </p:animEffect>
-                                  </p:childTnLst>
-                                </p:cTn>
-                              </p:par>
-                            </p:childTnLst>
-                          </p:cTn>
-                        </p:par>
-                      </p:childTnLst>
-                    </p:cTn>
-                  </p:par>
-                </p:childTnLst>
-              </p:cTn>
-              <p:prevCondLst>
-                <p:cond evt="onPrev" delay="0">
-                  <p:tgtEl>
-                    <p:sldTgt/>
-                  </p:tgtEl>
-                </p:cond>
-              </p:prevCondLst>
-              <p:nextCondLst>
-                <p:cond evt="onNext" delay="0">
-                  <p:tgtEl>
-                    <p:sldTgt/>
-                  </p:tgtEl>
-                </p:cond>
-              </p:nextCondLst>
-            </p:seq>
-          </p:childTnLst>
-        </p:cTn>
-      </p:par>
-    </p:tnLst>
-    <p:bldLst>
-      <p:bldP spid="3" grpId="0" animBg="1"/>
-    </p:bldLst>
-  </p:timing>
-</p:sld>
-</file>
-
-<file path=ppt/slides/slide41.xml><?xml version="1.0" encoding="utf-8"?>
 <p:sld xmlns:a="http://schemas.openxmlformats.org/drawingml/2006/main" xmlns:r="http://schemas.openxmlformats.org/officeDocument/2006/relationships" xmlns:p="http://schemas.openxmlformats.org/presentationml/2006/main">
   <p:cSld>
     <p:spTree>
@@ -30930,7 +31019,7 @@
 </p:sld>
 </file>
 
-<file path=ppt/slides/slide42.xml><?xml version="1.0" encoding="utf-8"?>
+<file path=ppt/slides/slide41.xml><?xml version="1.0" encoding="utf-8"?>
 <p:sld xmlns:a="http://schemas.openxmlformats.org/drawingml/2006/main" xmlns:r="http://schemas.openxmlformats.org/officeDocument/2006/relationships" xmlns:p="http://schemas.openxmlformats.org/presentationml/2006/main">
   <p:cSld>
     <p:spTree>
@@ -31254,7 +31343,7 @@
 </p:sld>
 </file>
 
-<file path=ppt/slides/slide43.xml><?xml version="1.0" encoding="utf-8"?>
+<file path=ppt/slides/slide42.xml><?xml version="1.0" encoding="utf-8"?>
 <p:sld xmlns:a="http://schemas.openxmlformats.org/drawingml/2006/main" xmlns:r="http://schemas.openxmlformats.org/officeDocument/2006/relationships" xmlns:p="http://schemas.openxmlformats.org/presentationml/2006/main">
   <p:cSld>
     <p:spTree>
@@ -31584,7 +31673,7 @@
 </p:sld>
 </file>
 
-<file path=ppt/slides/slide44.xml><?xml version="1.0" encoding="utf-8"?>
+<file path=ppt/slides/slide43.xml><?xml version="1.0" encoding="utf-8"?>
 <p:sld xmlns:a="http://schemas.openxmlformats.org/drawingml/2006/main" xmlns:r="http://schemas.openxmlformats.org/officeDocument/2006/relationships" xmlns:p="http://schemas.openxmlformats.org/presentationml/2006/main">
   <p:cSld>
     <p:spTree>
@@ -33545,33 +33634,15 @@
                                   </p:childTnLst>
                                 </p:cTn>
                               </p:par>
-                            </p:childTnLst>
-                          </p:cTn>
-                        </p:par>
-                      </p:childTnLst>
-                    </p:cTn>
-                  </p:par>
-                  <p:par>
-                    <p:cTn id="8" fill="hold">
-                      <p:stCondLst>
-                        <p:cond delay="indefinite"/>
-                      </p:stCondLst>
-                      <p:childTnLst>
-                        <p:par>
-                          <p:cTn id="9" fill="hold">
-                            <p:stCondLst>
-                              <p:cond delay="0"/>
-                            </p:stCondLst>
-                            <p:childTnLst>
                               <p:par>
-                                <p:cTn id="10" presetID="10" presetClass="entr" presetSubtype="0" fill="hold" grpId="0" nodeType="clickEffect">
+                                <p:cTn id="8" presetID="10" presetClass="entr" presetSubtype="0" fill="hold" grpId="0" nodeType="withEffect">
                                   <p:stCondLst>
                                     <p:cond delay="0"/>
                                   </p:stCondLst>
                                   <p:childTnLst>
                                     <p:set>
                                       <p:cBhvr>
-                                        <p:cTn id="11" dur="1" fill="hold">
+                                        <p:cTn id="9" dur="1" fill="hold">
                                           <p:stCondLst>
                                             <p:cond delay="0"/>
                                           </p:stCondLst>
@@ -33589,7 +33660,7 @@
                                     </p:set>
                                     <p:animEffect transition="in" filter="fade">
                                       <p:cBhvr>
-                                        <p:cTn id="12" dur="1000"/>
+                                        <p:cTn id="10" dur="1000"/>
                                         <p:tgtEl>
                                           <p:spTgt spid="7"/>
                                         </p:tgtEl>
@@ -33599,14 +33670,14 @@
                                 </p:cTn>
                               </p:par>
                               <p:par>
-                                <p:cTn id="13" presetID="10" presetClass="entr" presetSubtype="0" fill="hold" nodeType="withEffect">
+                                <p:cTn id="11" presetID="10" presetClass="entr" presetSubtype="0" fill="hold" nodeType="withEffect">
                                   <p:stCondLst>
                                     <p:cond delay="0"/>
                                   </p:stCondLst>
                                   <p:childTnLst>
                                     <p:set>
                                       <p:cBhvr>
-                                        <p:cTn id="14" dur="1" fill="hold">
+                                        <p:cTn id="12" dur="1" fill="hold">
                                           <p:stCondLst>
                                             <p:cond delay="0"/>
                                           </p:stCondLst>
@@ -33624,7 +33695,7 @@
                                     </p:set>
                                     <p:animEffect transition="in" filter="fade">
                                       <p:cBhvr>
-                                        <p:cTn id="15" dur="1000"/>
+                                        <p:cTn id="13" dur="1000"/>
                                         <p:tgtEl>
                                           <p:spTgt spid="8"/>
                                         </p:tgtEl>
@@ -33634,14 +33705,14 @@
                                 </p:cTn>
                               </p:par>
                               <p:par>
-                                <p:cTn id="16" presetID="10" presetClass="entr" presetSubtype="0" fill="hold" grpId="0" nodeType="withEffect">
+                                <p:cTn id="14" presetID="10" presetClass="entr" presetSubtype="0" fill="hold" grpId="0" nodeType="withEffect">
                                   <p:stCondLst>
                                     <p:cond delay="0"/>
                                   </p:stCondLst>
                                   <p:childTnLst>
                                     <p:set>
                                       <p:cBhvr>
-                                        <p:cTn id="17" dur="1" fill="hold">
+                                        <p:cTn id="15" dur="1" fill="hold">
                                           <p:stCondLst>
                                             <p:cond delay="0"/>
                                           </p:stCondLst>
@@ -33659,7 +33730,7 @@
                                     </p:set>
                                     <p:animEffect transition="in" filter="fade">
                                       <p:cBhvr>
-                                        <p:cTn id="18" dur="1000"/>
+                                        <p:cTn id="16" dur="1000"/>
                                         <p:tgtEl>
                                           <p:spTgt spid="9"/>
                                         </p:tgtEl>
@@ -33668,33 +33739,15 @@
                                   </p:childTnLst>
                                 </p:cTn>
                               </p:par>
-                            </p:childTnLst>
-                          </p:cTn>
-                        </p:par>
-                      </p:childTnLst>
-                    </p:cTn>
-                  </p:par>
-                  <p:par>
-                    <p:cTn id="19" fill="hold">
-                      <p:stCondLst>
-                        <p:cond delay="indefinite"/>
-                      </p:stCondLst>
-                      <p:childTnLst>
-                        <p:par>
-                          <p:cTn id="20" fill="hold">
-                            <p:stCondLst>
-                              <p:cond delay="0"/>
-                            </p:stCondLst>
-                            <p:childTnLst>
                               <p:par>
-                                <p:cTn id="21" presetID="10" presetClass="entr" presetSubtype="0" fill="hold" grpId="0" nodeType="clickEffect">
+                                <p:cTn id="17" presetID="10" presetClass="entr" presetSubtype="0" fill="hold" grpId="0" nodeType="withEffect">
                                   <p:stCondLst>
                                     <p:cond delay="0"/>
                                   </p:stCondLst>
                                   <p:childTnLst>
                                     <p:set>
                                       <p:cBhvr>
-                                        <p:cTn id="22" dur="1" fill="hold">
+                                        <p:cTn id="18" dur="1" fill="hold">
                                           <p:stCondLst>
                                             <p:cond delay="0"/>
                                           </p:stCondLst>
@@ -33712,7 +33765,7 @@
                                     </p:set>
                                     <p:animEffect transition="in" filter="fade">
                                       <p:cBhvr>
-                                        <p:cTn id="23" dur="1000"/>
+                                        <p:cTn id="19" dur="1000"/>
                                         <p:tgtEl>
                                           <p:spTgt spid="13"/>
                                         </p:tgtEl>
@@ -33722,14 +33775,14 @@
                                 </p:cTn>
                               </p:par>
                               <p:par>
-                                <p:cTn id="24" presetID="10" presetClass="entr" presetSubtype="0" fill="hold" nodeType="withEffect">
+                                <p:cTn id="20" presetID="10" presetClass="entr" presetSubtype="0" fill="hold" nodeType="withEffect">
                                   <p:stCondLst>
                                     <p:cond delay="0"/>
                                   </p:stCondLst>
                                   <p:childTnLst>
                                     <p:set>
                                       <p:cBhvr>
-                                        <p:cTn id="25" dur="1" fill="hold">
+                                        <p:cTn id="21" dur="1" fill="hold">
                                           <p:stCondLst>
                                             <p:cond delay="0"/>
                                           </p:stCondLst>
@@ -33747,7 +33800,7 @@
                                     </p:set>
                                     <p:animEffect transition="in" filter="fade">
                                       <p:cBhvr>
-                                        <p:cTn id="26" dur="1000"/>
+                                        <p:cTn id="22" dur="1000"/>
                                         <p:tgtEl>
                                           <p:spTgt spid="14"/>
                                         </p:tgtEl>
@@ -33757,14 +33810,14 @@
                                 </p:cTn>
                               </p:par>
                               <p:par>
-                                <p:cTn id="27" presetID="10" presetClass="entr" presetSubtype="0" fill="hold" grpId="0" nodeType="withEffect">
+                                <p:cTn id="23" presetID="10" presetClass="entr" presetSubtype="0" fill="hold" grpId="0" nodeType="withEffect">
                                   <p:stCondLst>
                                     <p:cond delay="0"/>
                                   </p:stCondLst>
                                   <p:childTnLst>
                                     <p:set>
                                       <p:cBhvr>
-                                        <p:cTn id="28" dur="1" fill="hold">
+                                        <p:cTn id="24" dur="1" fill="hold">
                                           <p:stCondLst>
                                             <p:cond delay="0"/>
                                           </p:stCondLst>
@@ -33782,7 +33835,7 @@
                                     </p:set>
                                     <p:animEffect transition="in" filter="fade">
                                       <p:cBhvr>
-                                        <p:cTn id="29" dur="1000"/>
+                                        <p:cTn id="25" dur="1000"/>
                                         <p:tgtEl>
                                           <p:spTgt spid="15"/>
                                         </p:tgtEl>
@@ -33798,26 +33851,26 @@
                     </p:cTn>
                   </p:par>
                   <p:par>
-                    <p:cTn id="30" fill="hold">
+                    <p:cTn id="26" fill="hold">
                       <p:stCondLst>
                         <p:cond delay="indefinite"/>
                       </p:stCondLst>
                       <p:childTnLst>
                         <p:par>
-                          <p:cTn id="31" fill="hold">
+                          <p:cTn id="27" fill="hold">
                             <p:stCondLst>
                               <p:cond delay="0"/>
                             </p:stCondLst>
                             <p:childTnLst>
                               <p:par>
-                                <p:cTn id="32" presetID="10" presetClass="entr" presetSubtype="0" fill="hold" grpId="0" nodeType="clickEffect">
+                                <p:cTn id="28" presetID="10" presetClass="entr" presetSubtype="0" fill="hold" grpId="0" nodeType="clickEffect">
                                   <p:stCondLst>
                                     <p:cond delay="0"/>
                                   </p:stCondLst>
                                   <p:childTnLst>
                                     <p:set>
                                       <p:cBhvr>
-                                        <p:cTn id="33" dur="1" fill="hold">
+                                        <p:cTn id="29" dur="1" fill="hold">
                                           <p:stCondLst>
                                             <p:cond delay="0"/>
                                           </p:stCondLst>
@@ -33835,7 +33888,7 @@
                                     </p:set>
                                     <p:animEffect transition="in" filter="fade">
                                       <p:cBhvr>
-                                        <p:cTn id="34" dur="1000"/>
+                                        <p:cTn id="30" dur="1000"/>
                                         <p:tgtEl>
                                           <p:spTgt spid="22"/>
                                         </p:tgtEl>
@@ -33845,14 +33898,14 @@
                                 </p:cTn>
                               </p:par>
                               <p:par>
-                                <p:cTn id="35" presetID="10" presetClass="entr" presetSubtype="0" fill="hold" grpId="1" nodeType="withEffect">
+                                <p:cTn id="31" presetID="10" presetClass="entr" presetSubtype="0" fill="hold" grpId="1" nodeType="withEffect">
                                   <p:stCondLst>
                                     <p:cond delay="0"/>
                                   </p:stCondLst>
                                   <p:childTnLst>
                                     <p:set>
                                       <p:cBhvr>
-                                        <p:cTn id="36" dur="1" fill="hold">
+                                        <p:cTn id="32" dur="1" fill="hold">
                                           <p:stCondLst>
                                             <p:cond delay="0"/>
                                           </p:stCondLst>
@@ -33870,7 +33923,7 @@
                                     </p:set>
                                     <p:animEffect transition="in" filter="fade">
                                       <p:cBhvr>
-                                        <p:cTn id="37" dur="500"/>
+                                        <p:cTn id="33" dur="1000"/>
                                         <p:tgtEl>
                                           <p:spTgt spid="23"/>
                                         </p:tgtEl>
@@ -33880,14 +33933,14 @@
                                 </p:cTn>
                               </p:par>
                               <p:par>
-                                <p:cTn id="38" presetID="10" presetClass="entr" presetSubtype="0" fill="hold" grpId="0" nodeType="withEffect">
+                                <p:cTn id="34" presetID="10" presetClass="entr" presetSubtype="0" fill="hold" grpId="0" nodeType="withEffect">
                                   <p:stCondLst>
                                     <p:cond delay="0"/>
                                   </p:stCondLst>
                                   <p:childTnLst>
                                     <p:set>
                                       <p:cBhvr>
-                                        <p:cTn id="39" dur="1" fill="hold">
+                                        <p:cTn id="35" dur="1" fill="hold">
                                           <p:stCondLst>
                                             <p:cond delay="0"/>
                                           </p:stCondLst>
@@ -33905,7 +33958,7 @@
                                     </p:set>
                                     <p:animEffect transition="in" filter="fade">
                                       <p:cBhvr>
-                                        <p:cTn id="40" dur="1000"/>
+                                        <p:cTn id="36" dur="1000"/>
                                         <p:tgtEl>
                                           <p:spTgt spid="20"/>
                                         </p:tgtEl>
@@ -33915,14 +33968,14 @@
                                 </p:cTn>
                               </p:par>
                               <p:par>
-                                <p:cTn id="41" presetID="10" presetClass="entr" presetSubtype="0" fill="hold" nodeType="withEffect">
+                                <p:cTn id="37" presetID="10" presetClass="entr" presetSubtype="0" fill="hold" nodeType="withEffect">
                                   <p:stCondLst>
                                     <p:cond delay="0"/>
                                   </p:stCondLst>
                                   <p:childTnLst>
                                     <p:set>
                                       <p:cBhvr>
-                                        <p:cTn id="42" dur="1" fill="hold">
+                                        <p:cTn id="38" dur="1" fill="hold">
                                           <p:stCondLst>
                                             <p:cond delay="0"/>
                                           </p:stCondLst>
@@ -33940,7 +33993,7 @@
                                     </p:set>
                                     <p:animEffect transition="in" filter="fade">
                                       <p:cBhvr>
-                                        <p:cTn id="43" dur="1000"/>
+                                        <p:cTn id="39" dur="1000"/>
                                         <p:tgtEl>
                                           <p:spTgt spid="21"/>
                                         </p:tgtEl>
@@ -33990,7 +34043,7 @@
 </p:sld>
 </file>
 
-<file path=ppt/slides/slide45.xml><?xml version="1.0" encoding="utf-8"?>
+<file path=ppt/slides/slide44.xml><?xml version="1.0" encoding="utf-8"?>
 <p:sld xmlns:a="http://schemas.openxmlformats.org/drawingml/2006/main" xmlns:r="http://schemas.openxmlformats.org/officeDocument/2006/relationships" xmlns:p="http://schemas.openxmlformats.org/presentationml/2006/main">
   <p:cSld>
     <p:spTree>
@@ -34265,7 +34318,7 @@
 </p:sld>
 </file>
 
-<file path=ppt/slides/slide46.xml><?xml version="1.0" encoding="utf-8"?>
+<file path=ppt/slides/slide45.xml><?xml version="1.0" encoding="utf-8"?>
 <p:sld xmlns:a="http://schemas.openxmlformats.org/drawingml/2006/main" xmlns:r="http://schemas.openxmlformats.org/officeDocument/2006/relationships" xmlns:p="http://schemas.openxmlformats.org/presentationml/2006/main">
   <p:cSld>
     <p:spTree>
@@ -34363,7 +34416,7 @@
 </p:sld>
 </file>
 
-<file path=ppt/slides/slide47.xml><?xml version="1.0" encoding="utf-8"?>
+<file path=ppt/slides/slide46.xml><?xml version="1.0" encoding="utf-8"?>
 <p:sld xmlns:a="http://schemas.openxmlformats.org/drawingml/2006/main" xmlns:r="http://schemas.openxmlformats.org/officeDocument/2006/relationships" xmlns:p="http://schemas.openxmlformats.org/presentationml/2006/main">
   <p:cSld>
     <p:spTree>
@@ -34543,7 +34596,7 @@
 </p:sld>
 </file>
 
-<file path=ppt/slides/slide48.xml><?xml version="1.0" encoding="utf-8"?>
+<file path=ppt/slides/slide47.xml><?xml version="1.0" encoding="utf-8"?>
 <p:sld xmlns:a="http://schemas.openxmlformats.org/drawingml/2006/main" xmlns:r="http://schemas.openxmlformats.org/officeDocument/2006/relationships" xmlns:p="http://schemas.openxmlformats.org/presentationml/2006/main">
   <p:cSld>
     <p:spTree>
@@ -34789,6 +34842,217 @@
 </p:sld>
 </file>
 
+<file path=ppt/slides/slide48.xml><?xml version="1.0" encoding="utf-8"?>
+<p:sld xmlns:a="http://schemas.openxmlformats.org/drawingml/2006/main" xmlns:r="http://schemas.openxmlformats.org/officeDocument/2006/relationships" xmlns:p="http://schemas.openxmlformats.org/presentationml/2006/main">
+  <p:cSld>
+    <p:spTree>
+      <p:nvGrpSpPr>
+        <p:cNvPr id="1" name="Shape 215"/>
+        <p:cNvGrpSpPr/>
+        <p:nvPr/>
+      </p:nvGrpSpPr>
+      <p:grpSpPr>
+        <a:xfrm>
+          <a:off x="0" y="0"/>
+          <a:ext cx="0" cy="0"/>
+          <a:chOff x="0" y="0"/>
+          <a:chExt cx="0" cy="0"/>
+        </a:xfrm>
+      </p:grpSpPr>
+      <p:sp>
+        <p:nvSpPr>
+          <p:cNvPr id="216" name="Google Shape;216;p64"/>
+          <p:cNvSpPr txBox="1">
+            <a:spLocks noGrp="1"/>
+          </p:cNvSpPr>
+          <p:nvPr>
+            <p:ph type="title"/>
+          </p:nvPr>
+        </p:nvSpPr>
+        <p:spPr>
+          <a:xfrm>
+            <a:off x="628650" y="273844"/>
+            <a:ext cx="7886700" cy="994172"/>
+          </a:xfrm>
+          <a:prstGeom prst="rect">
+            <a:avLst/>
+          </a:prstGeom>
+          <a:noFill/>
+          <a:ln>
+            <a:noFill/>
+          </a:ln>
+        </p:spPr>
+        <p:txBody>
+          <a:bodyPr spcFirstLastPara="1" wrap="square" lIns="91425" tIns="45700" rIns="91425" bIns="45700" anchor="ctr" anchorCtr="0">
+            <a:normAutofit/>
+          </a:bodyPr>
+          <a:lstStyle/>
+          <a:p>
+            <a:pPr lvl="0"/>
+            <a:r>
+              <a:rPr lang="en-US" dirty="0"/>
+              <a:t>NSCNet - Error analysis and future work</a:t>
+            </a:r>
+            <a:endParaRPr dirty="0"/>
+          </a:p>
+        </p:txBody>
+      </p:sp>
+      <p:sp>
+        <p:nvSpPr>
+          <p:cNvPr id="217" name="Google Shape;217;p64"/>
+          <p:cNvSpPr txBox="1">
+            <a:spLocks noGrp="1"/>
+          </p:cNvSpPr>
+          <p:nvPr>
+            <p:ph type="body" idx="1"/>
+          </p:nvPr>
+        </p:nvSpPr>
+        <p:spPr>
+          <a:xfrm>
+            <a:off x="628650" y="1369219"/>
+            <a:ext cx="7886700" cy="3263504"/>
+          </a:xfrm>
+          <a:prstGeom prst="rect">
+            <a:avLst/>
+          </a:prstGeom>
+          <a:noFill/>
+          <a:ln>
+            <a:noFill/>
+          </a:ln>
+        </p:spPr>
+        <p:txBody>
+          <a:bodyPr spcFirstLastPara="1" wrap="square" lIns="91425" tIns="45700" rIns="91425" bIns="45700" anchor="t" anchorCtr="0">
+            <a:normAutofit lnSpcReduction="10000"/>
+          </a:bodyPr>
+          <a:lstStyle/>
+          <a:p>
+            <a:pPr marL="476250">
+              <a:buSzPts val="2100"/>
+            </a:pPr>
+            <a:r>
+              <a:rPr lang="en-US" dirty="0"/>
+              <a:t>The deep clustering approach used seems to be strengthened by the </a:t>
+            </a:r>
+            <a:r>
+              <a:rPr lang="en-US" b="1" dirty="0"/>
+              <a:t>Zipf’s law</a:t>
+            </a:r>
+          </a:p>
+          <a:p>
+            <a:pPr marL="476250">
+              <a:buSzPts val="2100"/>
+            </a:pPr>
+            <a:r>
+              <a:rPr lang="en-US" dirty="0"/>
+              <a:t>Nightingales' songs may act as </a:t>
+            </a:r>
+            <a:r>
+              <a:rPr lang="en-US" b="1" dirty="0"/>
+              <a:t>human languages </a:t>
+            </a:r>
+          </a:p>
+          <a:p>
+            <a:pPr marL="476250">
+              <a:buSzPts val="2100"/>
+            </a:pPr>
+            <a:r>
+              <a:rPr lang="en-US" dirty="0"/>
+              <a:t>The dataset could be highly </a:t>
+            </a:r>
+            <a:r>
+              <a:rPr lang="en-US" b="1" dirty="0"/>
+              <a:t>unbalanced</a:t>
+            </a:r>
+          </a:p>
+          <a:p>
+            <a:pPr marL="476250">
+              <a:buSzPts val="2100"/>
+            </a:pPr>
+            <a:r>
+              <a:rPr lang="en-US" dirty="0"/>
+              <a:t>Probable </a:t>
+            </a:r>
+            <a:r>
+              <a:rPr lang="en-US" b="1" dirty="0"/>
+              <a:t>under-representation</a:t>
+            </a:r>
+            <a:r>
+              <a:rPr lang="en-US" dirty="0"/>
+              <a:t> of some songs</a:t>
+            </a:r>
+          </a:p>
+          <a:p>
+            <a:pPr marL="476250">
+              <a:buSzPts val="2100"/>
+            </a:pPr>
+            <a:r>
+              <a:rPr lang="en-US" b="1" dirty="0"/>
+              <a:t>Contradict</a:t>
+            </a:r>
+            <a:r>
+              <a:rPr lang="en-US" dirty="0"/>
+              <a:t> the expectation of having thousands of songs</a:t>
+            </a:r>
+          </a:p>
+          <a:p>
+            <a:pPr marL="476250">
+              <a:buSzPts val="2100"/>
+            </a:pPr>
+            <a:r>
+              <a:rPr lang="en-US" dirty="0"/>
+              <a:t>Consider the </a:t>
+            </a:r>
+            <a:r>
+              <a:rPr lang="en-US" b="1" dirty="0"/>
+              <a:t>silhouette</a:t>
+            </a:r>
+            <a:r>
+              <a:rPr lang="en-US" dirty="0"/>
+              <a:t> as a way for evaluating how well clustered are the top-K clusters</a:t>
+            </a:r>
+          </a:p>
+          <a:p>
+            <a:pPr marL="476250">
+              <a:buSzPts val="2100"/>
+            </a:pPr>
+            <a:r>
+              <a:rPr lang="en-US" dirty="0"/>
+              <a:t>Best results obtained between </a:t>
+            </a:r>
+            <a:r>
+              <a:rPr lang="en-US" b="1" dirty="0"/>
+              <a:t>64</a:t>
+            </a:r>
+            <a:r>
+              <a:rPr lang="en-US" dirty="0"/>
+              <a:t> and </a:t>
+            </a:r>
+            <a:r>
+              <a:rPr lang="en-US" b="1" dirty="0"/>
+              <a:t>128</a:t>
+            </a:r>
+          </a:p>
+          <a:p>
+            <a:pPr marL="476250">
+              <a:buSzPts val="2100"/>
+            </a:pPr>
+            <a:endParaRPr lang="en-US" dirty="0"/>
+          </a:p>
+        </p:txBody>
+      </p:sp>
+    </p:spTree>
+    <p:extLst>
+      <p:ext uri="{BB962C8B-B14F-4D97-AF65-F5344CB8AC3E}">
+        <p14:creationId xmlns:p14="http://schemas.microsoft.com/office/powerpoint/2010/main" val="892536351"/>
+      </p:ext>
+    </p:extLst>
+  </p:cSld>
+  <p:clrMapOvr>
+    <a:masterClrMapping/>
+  </p:clrMapOvr>
+</p:sld>
+</file>
+
 <file path=ppt/slides/slide49.xml><?xml version="1.0" encoding="utf-8"?>
 <p:sld xmlns:a="http://schemas.openxmlformats.org/drawingml/2006/main" xmlns:r="http://schemas.openxmlformats.org/officeDocument/2006/relationships" xmlns:p="http://schemas.openxmlformats.org/presentationml/2006/main">
   <p:cSld>
@@ -34869,7 +35133,7 @@
         </p:spPr>
         <p:txBody>
           <a:bodyPr spcFirstLastPara="1" wrap="square" lIns="91425" tIns="45700" rIns="91425" bIns="45700" anchor="t" anchorCtr="0">
-            <a:normAutofit lnSpcReduction="10000"/>
+            <a:normAutofit/>
           </a:bodyPr>
           <a:lstStyle/>
           <a:p>
@@ -34877,12 +35141,12 @@
               <a:buSzPts val="2100"/>
             </a:pPr>
             <a:r>
+              <a:rPr lang="en-US" b="1" dirty="0"/>
+              <a:t>EfficientNet-B0</a:t>
+            </a:r>
+            <a:r>
               <a:rPr lang="en-US" dirty="0"/>
-              <a:t>The deep clustering approach used seems to be strengthened by the </a:t>
-            </a:r>
-            <a:r>
-              <a:rPr lang="en-US" b="1" dirty="0"/>
-              <a:t>Zipf’s law</a:t>
+              <a:t> is probably too complex for the given dataset</a:t>
             </a:r>
           </a:p>
           <a:p>
@@ -34891,11 +35155,31 @@
             </a:pPr>
             <a:r>
               <a:rPr lang="en-US" dirty="0"/>
-              <a:t>Nightingales’ songs may act as </a:t>
+              <a:t>Tune </a:t>
+            </a:r>
+            <a:r>
+              <a:rPr lang="en-US" dirty="0" err="1"/>
+              <a:t>ArcFace’s</a:t>
+            </a:r>
+            <a:r>
+              <a:rPr lang="en-US" dirty="0"/>
+              <a:t> </a:t>
             </a:r>
             <a:r>
               <a:rPr lang="en-US" b="1" dirty="0"/>
-              <a:t>human languages </a:t>
+              <a:t>margin</a:t>
+            </a:r>
+            <a:r>
+              <a:rPr lang="en-US" dirty="0"/>
+              <a:t> and </a:t>
+            </a:r>
+            <a:r>
+              <a:rPr lang="en-US" b="1" dirty="0"/>
+              <a:t>scale</a:t>
+            </a:r>
+            <a:r>
+              <a:rPr lang="en-US" dirty="0"/>
+              <a:t> parameters</a:t>
             </a:r>
           </a:p>
           <a:p>
@@ -34904,11 +35188,11 @@
             </a:pPr>
             <a:r>
               <a:rPr lang="en-US" dirty="0"/>
-              <a:t>The dataset could be highly </a:t>
+              <a:t>Train for more </a:t>
             </a:r>
             <a:r>
               <a:rPr lang="en-US" b="1" dirty="0"/>
-              <a:t>unbalanced</a:t>
+              <a:t>epochs</a:t>
             </a:r>
           </a:p>
           <a:p>
@@ -34917,15 +35201,19 @@
             </a:pPr>
             <a:r>
               <a:rPr lang="en-US" dirty="0"/>
-              <a:t>Probable </a:t>
+              <a:t>Substitute Mel-spectrograms  with </a:t>
             </a:r>
             <a:r>
               <a:rPr lang="en-US" b="1" dirty="0"/>
-              <a:t>under-representation</a:t>
+              <a:t>chromagrams</a:t>
             </a:r>
             <a:r>
               <a:rPr lang="en-US" dirty="0"/>
-              <a:t> of some songs</a:t>
+              <a:t> or </a:t>
+            </a:r>
+            <a:r>
+              <a:rPr lang="en-US" b="1" dirty="0"/>
+              <a:t>raw waveforms</a:t>
             </a:r>
           </a:p>
           <a:p>
@@ -34933,50 +35221,16 @@
               <a:buSzPts val="2100"/>
             </a:pPr>
             <a:r>
+              <a:rPr lang="en-US" dirty="0"/>
+              <a:t>Try other </a:t>
+            </a:r>
+            <a:r>
               <a:rPr lang="en-US" b="1" dirty="0"/>
-              <a:t>Contradict</a:t>
+              <a:t>augmentation</a:t>
             </a:r>
             <a:r>
               <a:rPr lang="en-US" dirty="0"/>
-              <a:t> the expectation of having thousands of songs</a:t>
-            </a:r>
-          </a:p>
-          <a:p>
-            <a:pPr marL="476250">
-              <a:buSzPts val="2100"/>
-            </a:pPr>
-            <a:r>
-              <a:rPr lang="en-US" dirty="0"/>
-              <a:t>Consider the </a:t>
-            </a:r>
-            <a:r>
-              <a:rPr lang="en-US" b="1" dirty="0"/>
-              <a:t>silhouette</a:t>
-            </a:r>
-            <a:r>
-              <a:rPr lang="en-US" dirty="0"/>
-              <a:t> as a way for evaluating how well clustered are the top-K clusters</a:t>
-            </a:r>
-          </a:p>
-          <a:p>
-            <a:pPr marL="476250">
-              <a:buSzPts val="2100"/>
-            </a:pPr>
-            <a:r>
-              <a:rPr lang="en-US" dirty="0"/>
-              <a:t>Best results obtained between </a:t>
-            </a:r>
-            <a:r>
-              <a:rPr lang="en-US" b="1" dirty="0"/>
-              <a:t>64</a:t>
-            </a:r>
-            <a:r>
-              <a:rPr lang="en-US" dirty="0"/>
-              <a:t> and </a:t>
-            </a:r>
-            <a:r>
-              <a:rPr lang="en-US" b="1" dirty="0"/>
-              <a:t>128</a:t>
+              <a:t> techniques </a:t>
             </a:r>
           </a:p>
           <a:p>
@@ -34990,7 +35244,7 @@
     </p:spTree>
     <p:extLst>
       <p:ext uri="{BB962C8B-B14F-4D97-AF65-F5344CB8AC3E}">
-        <p14:creationId xmlns:p14="http://schemas.microsoft.com/office/powerpoint/2010/main" val="892536351"/>
+        <p14:creationId xmlns:p14="http://schemas.microsoft.com/office/powerpoint/2010/main" val="2036870124"/>
       </p:ext>
     </p:extLst>
   </p:cSld>
@@ -35147,7 +35401,7 @@
             </a:pPr>
             <a:r>
               <a:rPr lang="en-GB" dirty="0"/>
-              <a:t>zero-crossing rate</a:t>
+              <a:t>Zero-crossing rate</a:t>
             </a:r>
           </a:p>
           <a:p>
@@ -35158,7 +35412,7 @@
             </a:pPr>
             <a:r>
               <a:rPr lang="en-GB" dirty="0"/>
-              <a:t>frequency </a:t>
+              <a:t>Frequency </a:t>
             </a:r>
           </a:p>
           <a:p>
@@ -35201,163 +35455,6 @@
 </file>
 
 <file path=ppt/slides/slide50.xml><?xml version="1.0" encoding="utf-8"?>
-<p:sld xmlns:a="http://schemas.openxmlformats.org/drawingml/2006/main" xmlns:r="http://schemas.openxmlformats.org/officeDocument/2006/relationships" xmlns:p="http://schemas.openxmlformats.org/presentationml/2006/main">
-  <p:cSld>
-    <p:spTree>
-      <p:nvGrpSpPr>
-        <p:cNvPr id="1" name="Shape 215"/>
-        <p:cNvGrpSpPr/>
-        <p:nvPr/>
-      </p:nvGrpSpPr>
-      <p:grpSpPr>
-        <a:xfrm>
-          <a:off x="0" y="0"/>
-          <a:ext cx="0" cy="0"/>
-          <a:chOff x="0" y="0"/>
-          <a:chExt cx="0" cy="0"/>
-        </a:xfrm>
-      </p:grpSpPr>
-      <p:sp>
-        <p:nvSpPr>
-          <p:cNvPr id="216" name="Google Shape;216;p64"/>
-          <p:cNvSpPr txBox="1">
-            <a:spLocks noGrp="1"/>
-          </p:cNvSpPr>
-          <p:nvPr>
-            <p:ph type="title"/>
-          </p:nvPr>
-        </p:nvSpPr>
-        <p:spPr>
-          <a:xfrm>
-            <a:off x="628650" y="273844"/>
-            <a:ext cx="7886700" cy="994172"/>
-          </a:xfrm>
-          <a:prstGeom prst="rect">
-            <a:avLst/>
-          </a:prstGeom>
-          <a:noFill/>
-          <a:ln>
-            <a:noFill/>
-          </a:ln>
-        </p:spPr>
-        <p:txBody>
-          <a:bodyPr spcFirstLastPara="1" wrap="square" lIns="91425" tIns="45700" rIns="91425" bIns="45700" anchor="ctr" anchorCtr="0">
-            <a:normAutofit/>
-          </a:bodyPr>
-          <a:lstStyle/>
-          <a:p>
-            <a:pPr lvl="0"/>
-            <a:r>
-              <a:rPr lang="en-US" dirty="0"/>
-              <a:t>NSCNet - Error analysis and future work</a:t>
-            </a:r>
-            <a:endParaRPr dirty="0"/>
-          </a:p>
-        </p:txBody>
-      </p:sp>
-      <p:sp>
-        <p:nvSpPr>
-          <p:cNvPr id="217" name="Google Shape;217;p64"/>
-          <p:cNvSpPr txBox="1">
-            <a:spLocks noGrp="1"/>
-          </p:cNvSpPr>
-          <p:nvPr>
-            <p:ph type="body" idx="1"/>
-          </p:nvPr>
-        </p:nvSpPr>
-        <p:spPr>
-          <a:xfrm>
-            <a:off x="628650" y="1369219"/>
-            <a:ext cx="7886700" cy="3263504"/>
-          </a:xfrm>
-          <a:prstGeom prst="rect">
-            <a:avLst/>
-          </a:prstGeom>
-          <a:noFill/>
-          <a:ln>
-            <a:noFill/>
-          </a:ln>
-        </p:spPr>
-        <p:txBody>
-          <a:bodyPr spcFirstLastPara="1" wrap="square" lIns="91425" tIns="45700" rIns="91425" bIns="45700" anchor="t" anchorCtr="0">
-            <a:normAutofit/>
-          </a:bodyPr>
-          <a:lstStyle/>
-          <a:p>
-            <a:pPr marL="476250">
-              <a:buSzPts val="2100"/>
-            </a:pPr>
-            <a:r>
-              <a:rPr lang="en-US" dirty="0"/>
-              <a:t>EfficientNet-B0 is probably too complex for the given dataset</a:t>
-            </a:r>
-          </a:p>
-          <a:p>
-            <a:pPr marL="476250">
-              <a:buSzPts val="2100"/>
-            </a:pPr>
-            <a:r>
-              <a:rPr lang="en-US" dirty="0"/>
-              <a:t>Tune </a:t>
-            </a:r>
-            <a:r>
-              <a:rPr lang="en-US" dirty="0" err="1"/>
-              <a:t>ArcFace’s</a:t>
-            </a:r>
-            <a:r>
-              <a:rPr lang="en-US" dirty="0"/>
-              <a:t> margin and scale parameters</a:t>
-            </a:r>
-          </a:p>
-          <a:p>
-            <a:pPr marL="476250">
-              <a:buSzPts val="2100"/>
-            </a:pPr>
-            <a:r>
-              <a:rPr lang="en-US" dirty="0"/>
-              <a:t>Train for more epochs</a:t>
-            </a:r>
-          </a:p>
-          <a:p>
-            <a:pPr marL="476250">
-              <a:buSzPts val="2100"/>
-            </a:pPr>
-            <a:r>
-              <a:rPr lang="en-US" dirty="0"/>
-              <a:t>Substitute Mel-spectrograms  with chromagrams or raw waveforms</a:t>
-            </a:r>
-          </a:p>
-          <a:p>
-            <a:pPr marL="476250">
-              <a:buSzPts val="2100"/>
-            </a:pPr>
-            <a:r>
-              <a:rPr lang="en-US" dirty="0"/>
-              <a:t>Try other augmentation techniques </a:t>
-            </a:r>
-          </a:p>
-          <a:p>
-            <a:pPr marL="476250">
-              <a:buSzPts val="2100"/>
-            </a:pPr>
-            <a:endParaRPr lang="en-US" dirty="0"/>
-          </a:p>
-        </p:txBody>
-      </p:sp>
-    </p:spTree>
-    <p:extLst>
-      <p:ext uri="{BB962C8B-B14F-4D97-AF65-F5344CB8AC3E}">
-        <p14:creationId xmlns:p14="http://schemas.microsoft.com/office/powerpoint/2010/main" val="2036870124"/>
-      </p:ext>
-    </p:extLst>
-  </p:cSld>
-  <p:clrMapOvr>
-    <a:masterClrMapping/>
-  </p:clrMapOvr>
-</p:sld>
-</file>
-
-<file path=ppt/slides/slide51.xml><?xml version="1.0" encoding="utf-8"?>
 <p:sld xmlns:a="http://schemas.openxmlformats.org/drawingml/2006/main" xmlns:r="http://schemas.openxmlformats.org/officeDocument/2006/relationships" xmlns:p="http://schemas.openxmlformats.org/presentationml/2006/main">
   <p:cSld>
     <p:spTree>
@@ -35496,7 +35593,7 @@
             </a:r>
             <a:r>
               <a:rPr lang="en-US" dirty="0"/>
-              <a:t> between Nightingales’ songs and </a:t>
+              <a:t> between Nightingales’ songs and the </a:t>
             </a:r>
             <a:r>
               <a:rPr lang="en-US" b="1" dirty="0"/>
@@ -35604,7 +35701,7 @@
 </p:sld>
 </file>
 
-<file path=ppt/slides/slide52.xml><?xml version="1.0" encoding="utf-8"?>
+<file path=ppt/slides/slide51.xml><?xml version="1.0" encoding="utf-8"?>
 <p:sld xmlns:a="http://schemas.openxmlformats.org/drawingml/2006/main" xmlns:r="http://schemas.openxmlformats.org/officeDocument/2006/relationships" xmlns:p="http://schemas.openxmlformats.org/presentationml/2006/main">
   <p:cSld>
     <p:spTree>
@@ -36263,7 +36360,7 @@
             </a:pPr>
             <a:r>
               <a:rPr lang="en-US" dirty="0"/>
-              <a:t>Reuse architecture for </a:t>
+              <a:t>Reuse architectures for </a:t>
             </a:r>
             <a:r>
               <a:rPr lang="en-US" b="1" dirty="0"/>

--- a/docs/AII - Project Slides.pptx
+++ b/docs/AII - Project Slides.pptx
@@ -296,7 +296,7 @@
       <p15:sldGuideLst xmlns:p15="http://schemas.microsoft.com/office/powerpoint/2012/main"/>
     </p:ext>
     <p:ext uri="http://customooxmlschemas.google.com/">
-      <go:slidesCustomData xmlns:go="http://customooxmlschemas.google.com/" xmlns:ahyp="http://schemas.microsoft.com/office/drawing/2018/hyperlinkcolor" xmlns:p15="http://schemas.microsoft.com/office/powerpoint/2012/main" xmlns:p14="http://schemas.microsoft.com/office/powerpoint/2010/main" xmlns:com="http://schemas.openxmlformats.org/drawingml/2006/compatibility" xmlns:pvml="urn:schemas-microsoft-com:office:powerpoint" xmlns:v="urn:schemas-microsoft-com:vml" xmlns:o="urn:schemas-microsoft-com:office:office" xmlns:dgm="http://schemas.openxmlformats.org/drawingml/2006/diagram" xmlns:c="http://schemas.openxmlformats.org/drawingml/2006/chart" xmlns:mv="urn:schemas-microsoft-com:mac:vml" xmlns:mc="http://schemas.openxmlformats.org/markup-compatibility/2006" xmlns="" r:id="rId55" roundtripDataSignature="AMtx7mg4HEnSfMocqsXlYeOUhWhSEmD4jQ=="/>
+      <go:slidesCustomData xmlns="" xmlns:mc="http://schemas.openxmlformats.org/markup-compatibility/2006" xmlns:mv="urn:schemas-microsoft-com:mac:vml" xmlns:c="http://schemas.openxmlformats.org/drawingml/2006/chart" xmlns:dgm="http://schemas.openxmlformats.org/drawingml/2006/diagram" xmlns:o="urn:schemas-microsoft-com:office:office" xmlns:v="urn:schemas-microsoft-com:vml" xmlns:pvml="urn:schemas-microsoft-com:office:powerpoint" xmlns:com="http://schemas.openxmlformats.org/drawingml/2006/compatibility" xmlns:p14="http://schemas.microsoft.com/office/powerpoint/2010/main" xmlns:p15="http://schemas.microsoft.com/office/powerpoint/2012/main" xmlns:ahyp="http://schemas.microsoft.com/office/drawing/2018/hyperlinkcolor" xmlns:go="http://customooxmlschemas.google.com/" r:id="rId55" roundtripDataSignature="AMtx7mg4HEnSfMocqsXlYeOUhWhSEmD4jQ=="/>
     </p:ext>
   </p:extLst>
 </p:presentation>
@@ -17577,7 +17577,7 @@
               <a:buNone/>
             </a:pPr>
             <a:r>
-              <a:rPr lang="en-US">
+              <a:rPr lang="en-US" dirty="0">
                 <a:latin typeface="Arial"/>
                 <a:ea typeface="Arial"/>
                 <a:cs typeface="Arial"/>
@@ -17585,7 +17585,7 @@
               </a:rPr>
               <a:t>NSCNet – A Nightingale Songs Clustering Network</a:t>
             </a:r>
-            <a:endParaRPr/>
+            <a:endParaRPr dirty="0"/>
           </a:p>
         </p:txBody>
       </p:sp>
@@ -19174,14 +19174,73 @@
               <a:buChar char="•"/>
             </a:pPr>
             <a:r>
+              <a:rPr lang="en-US" b="1" dirty="0"/>
+              <a:t>Entropy</a:t>
+            </a:r>
+            <a:r>
               <a:rPr lang="en-US" dirty="0"/>
-              <a:t>Could represent a valid </a:t>
+              <a:t> used as purity measure of the </a:t>
             </a:r>
             <a:r>
               <a:rPr lang="en-US" b="1" dirty="0"/>
-              <a:t>alternative to Mel-Spectrograms</a:t>
-            </a:r>
-            <a:endParaRPr b="1" dirty="0"/>
+              <a:t>pitches</a:t>
+            </a:r>
+            <a:br>
+              <a:rPr lang="en-US" b="1" dirty="0"/>
+            </a:br>
+            <a:endParaRPr lang="en-US" b="1" dirty="0"/>
+          </a:p>
+          <a:p>
+            <a:pPr marL="342900" lvl="0">
+              <a:spcBef>
+                <a:spcPts val="0"/>
+              </a:spcBef>
+              <a:buSzPts val="2100"/>
+            </a:pPr>
+            <a:r>
+              <a:rPr lang="en-US" dirty="0"/>
+              <a:t>Nightingale songs entropy compared with 2 sets of different audios:</a:t>
+            </a:r>
+          </a:p>
+          <a:p>
+            <a:pPr marL="800100" lvl="1">
+              <a:spcBef>
+                <a:spcPts val="0"/>
+              </a:spcBef>
+              <a:buSzPts val="2100"/>
+              <a:buFont typeface="Courier New" panose="02070309020205020404" pitchFamily="49" charset="0"/>
+              <a:buChar char="o"/>
+            </a:pPr>
+            <a:r>
+              <a:rPr lang="en-US" b="1" dirty="0"/>
+              <a:t>Instrumental music set </a:t>
+            </a:r>
+            <a:r>
+              <a:rPr lang="en-US" dirty="0"/>
+              <a:t>gave very similar values</a:t>
+            </a:r>
+          </a:p>
+          <a:p>
+            <a:pPr marL="800100" lvl="1">
+              <a:spcBef>
+                <a:spcPts val="0"/>
+              </a:spcBef>
+              <a:buSzPts val="2100"/>
+              <a:buFont typeface="Courier New" panose="02070309020205020404" pitchFamily="49" charset="0"/>
+              <a:buChar char="o"/>
+            </a:pPr>
+            <a:r>
+              <a:rPr lang="en-US" b="1" dirty="0"/>
+              <a:t>Noisy recordings set </a:t>
+            </a:r>
+            <a:r>
+              <a:rPr lang="en-US" dirty="0"/>
+              <a:t>gave very different value</a:t>
+            </a:r>
+            <a:br>
+              <a:rPr lang="en-US" dirty="0"/>
+            </a:br>
+            <a:endParaRPr dirty="0"/>
           </a:p>
           <a:p>
             <a:pPr marL="342900" lvl="0" indent="-342900" algn="l" rtl="0">
@@ -19199,9 +19258,48 @@
             </a:pPr>
             <a:r>
               <a:rPr lang="en-US" dirty="0"/>
-              <a:t>Nightingale songs can be approximately considered as pieces of music</a:t>
-            </a:r>
-            <a:endParaRPr dirty="0"/>
+              <a:t>Nightingale songs can be approximately considered as </a:t>
+            </a:r>
+            <a:r>
+              <a:rPr lang="en-US" b="1" dirty="0"/>
+              <a:t>pieces of music</a:t>
+            </a:r>
+            <a:br>
+              <a:rPr lang="en-US" b="1" dirty="0"/>
+            </a:br>
+            <a:endParaRPr lang="en-US" b="1" dirty="0"/>
+          </a:p>
+          <a:p>
+            <a:pPr marL="342900">
+              <a:spcBef>
+                <a:spcPts val="0"/>
+              </a:spcBef>
+              <a:buSzPts val="2100"/>
+            </a:pPr>
+            <a:r>
+              <a:rPr lang="en-US" dirty="0"/>
+              <a:t>Could represent a valid </a:t>
+            </a:r>
+            <a:r>
+              <a:rPr lang="en-US" b="1" dirty="0"/>
+              <a:t>alternative to Mel-Spectrograms</a:t>
+            </a:r>
+          </a:p>
+          <a:p>
+            <a:pPr marL="342900" lvl="0" indent="-342900" algn="l" rtl="0">
+              <a:lnSpc>
+                <a:spcPct val="90000"/>
+              </a:lnSpc>
+              <a:spcBef>
+                <a:spcPts val="0"/>
+              </a:spcBef>
+              <a:spcAft>
+                <a:spcPts val="0"/>
+              </a:spcAft>
+              <a:buSzPts val="2100"/>
+              <a:buChar char="•"/>
+            </a:pPr>
+            <a:endParaRPr b="1" dirty="0"/>
           </a:p>
           <a:p>
             <a:pPr marL="0" lvl="0" indent="0" algn="l" rtl="0">
@@ -19368,33 +19466,6 @@
           </a:p>
         </p:txBody>
       </p:sp>
-      <p:pic>
-        <p:nvPicPr>
-          <p:cNvPr id="139" name="Google Shape;139;p52"/>
-          <p:cNvPicPr preferRelativeResize="0"/>
-          <p:nvPr/>
-        </p:nvPicPr>
-        <p:blipFill rotWithShape="1">
-          <a:blip r:embed="rId3">
-            <a:alphaModFix/>
-          </a:blip>
-          <a:srcRect t="6148" b="9124"/>
-          <a:stretch/>
-        </p:blipFill>
-        <p:spPr>
-          <a:xfrm>
-            <a:off x="2707004" y="2363950"/>
-            <a:ext cx="3729990" cy="2369976"/>
-          </a:xfrm>
-          <a:prstGeom prst="rect">
-            <a:avLst/>
-          </a:prstGeom>
-          <a:noFill/>
-          <a:ln>
-            <a:noFill/>
-          </a:ln>
-        </p:spPr>
-      </p:pic>
     </p:spTree>
   </p:cSld>
   <p:clrMapOvr>
@@ -34944,7 +35015,7 @@
             </a:pPr>
             <a:r>
               <a:rPr lang="en-US" dirty="0"/>
-              <a:t>Nightingales' songs may act as </a:t>
+              <a:t>Nightingale songs may act as </a:t>
             </a:r>
             <a:r>
               <a:rPr lang="en-US" b="1" dirty="0"/>
@@ -35593,7 +35664,7 @@
             </a:r>
             <a:r>
               <a:rPr lang="en-US" dirty="0"/>
-              <a:t> between Nightingales’ songs and the </a:t>
+              <a:t> between nightingale songs and the </a:t>
             </a:r>
             <a:r>
               <a:rPr lang="en-US" b="1" dirty="0"/>

--- a/docs/AII - Project Slides.pptx
+++ b/docs/AII - Project Slides.pptx
@@ -296,7 +296,7 @@
       <p15:sldGuideLst xmlns:p15="http://schemas.microsoft.com/office/powerpoint/2012/main"/>
     </p:ext>
     <p:ext uri="http://customooxmlschemas.google.com/">
-      <go:slidesCustomData xmlns="" xmlns:mc="http://schemas.openxmlformats.org/markup-compatibility/2006" xmlns:mv="urn:schemas-microsoft-com:mac:vml" xmlns:c="http://schemas.openxmlformats.org/drawingml/2006/chart" xmlns:dgm="http://schemas.openxmlformats.org/drawingml/2006/diagram" xmlns:o="urn:schemas-microsoft-com:office:office" xmlns:v="urn:schemas-microsoft-com:vml" xmlns:pvml="urn:schemas-microsoft-com:office:powerpoint" xmlns:com="http://schemas.openxmlformats.org/drawingml/2006/compatibility" xmlns:p14="http://schemas.microsoft.com/office/powerpoint/2010/main" xmlns:p15="http://schemas.microsoft.com/office/powerpoint/2012/main" xmlns:ahyp="http://schemas.microsoft.com/office/drawing/2018/hyperlinkcolor" xmlns:go="http://customooxmlschemas.google.com/" r:id="rId55" roundtripDataSignature="AMtx7mg4HEnSfMocqsXlYeOUhWhSEmD4jQ=="/>
+      <go:slidesCustomData xmlns:go="http://customooxmlschemas.google.com/" xmlns:ahyp="http://schemas.microsoft.com/office/drawing/2018/hyperlinkcolor" xmlns:p15="http://schemas.microsoft.com/office/powerpoint/2012/main" xmlns:p14="http://schemas.microsoft.com/office/powerpoint/2010/main" xmlns:com="http://schemas.openxmlformats.org/drawingml/2006/compatibility" xmlns:pvml="urn:schemas-microsoft-com:office:powerpoint" xmlns:v="urn:schemas-microsoft-com:vml" xmlns:o="urn:schemas-microsoft-com:office:office" xmlns:dgm="http://schemas.openxmlformats.org/drawingml/2006/diagram" xmlns:c="http://schemas.openxmlformats.org/drawingml/2006/chart" xmlns:mv="urn:schemas-microsoft-com:mac:vml" xmlns:mc="http://schemas.openxmlformats.org/markup-compatibility/2006" xmlns="" r:id="rId55" roundtripDataSignature="AMtx7mg4HEnSfMocqsXlYeOUhWhSEmD4jQ=="/>
     </p:ext>
   </p:extLst>
 </p:presentation>
@@ -18143,8 +18143,8 @@
         </p:blipFill>
         <p:spPr>
           <a:xfrm>
-            <a:off x="2478711" y="2671863"/>
-            <a:ext cx="4129612" cy="2136707"/>
+            <a:off x="2587625" y="2680408"/>
+            <a:ext cx="3793928" cy="1904842"/>
           </a:xfrm>
           <a:prstGeom prst="rect">
             <a:avLst/>
@@ -18171,8 +18171,8 @@
         </p:nvSpPr>
         <p:spPr>
           <a:xfrm>
-            <a:off x="2587625" y="2551068"/>
-            <a:ext cx="1054100" cy="176314"/>
+            <a:off x="2677093" y="2551068"/>
+            <a:ext cx="964631" cy="176314"/>
           </a:xfrm>
           <a:prstGeom prst="rect">
             <a:avLst/>
@@ -18444,7 +18444,7 @@
               <a:buNone/>
             </a:pPr>
             <a:r>
-              <a:rPr lang="en-US" sz="1200" dirty="0">
+              <a:rPr lang="en-US" sz="1400" b="1" dirty="0">
                 <a:solidFill>
                   <a:srgbClr val="C00000"/>
                 </a:solidFill>
@@ -18471,7 +18471,7 @@
         <p:spPr>
           <a:xfrm>
             <a:off x="3854592" y="2548361"/>
-            <a:ext cx="1054100" cy="176314"/>
+            <a:ext cx="964631" cy="176314"/>
           </a:xfrm>
           <a:prstGeom prst="rect">
             <a:avLst/>
@@ -18743,7 +18743,7 @@
               <a:buNone/>
             </a:pPr>
             <a:r>
-              <a:rPr lang="en-US" sz="1200" dirty="0">
+              <a:rPr lang="en-US" sz="1400" b="1" dirty="0">
                 <a:solidFill>
                   <a:srgbClr val="C00000"/>
                 </a:solidFill>
@@ -18769,8 +18769,8 @@
         </p:nvSpPr>
         <p:spPr>
           <a:xfrm>
-            <a:off x="5133607" y="2552858"/>
-            <a:ext cx="1054100" cy="176314"/>
+            <a:off x="5017606" y="2524703"/>
+            <a:ext cx="964631" cy="176314"/>
           </a:xfrm>
           <a:prstGeom prst="rect">
             <a:avLst/>
@@ -19042,7 +19042,7 @@
               <a:buNone/>
             </a:pPr>
             <a:r>
-              <a:rPr lang="en-US" sz="1200" dirty="0">
+              <a:rPr lang="en-US" sz="1400" b="1" dirty="0">
                 <a:solidFill>
                   <a:srgbClr val="C00000"/>
                 </a:solidFill>
@@ -19052,11 +19052,1011 @@
           </a:p>
         </p:txBody>
       </p:sp>
+      <p:sp>
+        <p:nvSpPr>
+          <p:cNvPr id="12" name="Rectangle 11">
+            <a:extLst>
+              <a:ext uri="{FF2B5EF4-FFF2-40B4-BE49-F238E27FC236}">
+                <a16:creationId xmlns:a16="http://schemas.microsoft.com/office/drawing/2014/main" id="{78E7AA81-A345-48A9-2576-BEC3C16B88CB}"/>
+              </a:ext>
+            </a:extLst>
+          </p:cNvPr>
+          <p:cNvSpPr/>
+          <p:nvPr/>
+        </p:nvSpPr>
+        <p:spPr>
+          <a:xfrm>
+            <a:off x="4991851" y="3893059"/>
+            <a:ext cx="1041901" cy="180000"/>
+          </a:xfrm>
+          <a:prstGeom prst="rect">
+            <a:avLst/>
+          </a:prstGeom>
+          <a:noFill/>
+          <a:ln>
+            <a:solidFill>
+              <a:srgbClr val="C00000"/>
+            </a:solidFill>
+          </a:ln>
+        </p:spPr>
+        <p:style>
+          <a:lnRef idx="2">
+            <a:schemeClr val="accent1">
+              <a:shade val="50000"/>
+            </a:schemeClr>
+          </a:lnRef>
+          <a:fillRef idx="1">
+            <a:schemeClr val="accent1"/>
+          </a:fillRef>
+          <a:effectRef idx="0">
+            <a:schemeClr val="accent1"/>
+          </a:effectRef>
+          <a:fontRef idx="minor">
+            <a:schemeClr val="lt1"/>
+          </a:fontRef>
+        </p:style>
+        <p:txBody>
+          <a:bodyPr rtlCol="0" anchor="ctr"/>
+          <a:lstStyle/>
+          <a:p>
+            <a:pPr algn="ctr"/>
+            <a:endParaRPr lang="en-US" dirty="0"/>
+          </a:p>
+        </p:txBody>
+      </p:sp>
+      <p:sp>
+        <p:nvSpPr>
+          <p:cNvPr id="14" name="Rectangle 13">
+            <a:extLst>
+              <a:ext uri="{FF2B5EF4-FFF2-40B4-BE49-F238E27FC236}">
+                <a16:creationId xmlns:a16="http://schemas.microsoft.com/office/drawing/2014/main" id="{539C084A-062E-75F9-58A4-F6C937FD554E}"/>
+              </a:ext>
+            </a:extLst>
+          </p:cNvPr>
+          <p:cNvSpPr/>
+          <p:nvPr/>
+        </p:nvSpPr>
+        <p:spPr>
+          <a:xfrm>
+            <a:off x="4998287" y="4187092"/>
+            <a:ext cx="1041901" cy="180000"/>
+          </a:xfrm>
+          <a:prstGeom prst="rect">
+            <a:avLst/>
+          </a:prstGeom>
+          <a:noFill/>
+          <a:ln>
+            <a:solidFill>
+              <a:srgbClr val="C00000"/>
+            </a:solidFill>
+          </a:ln>
+        </p:spPr>
+        <p:style>
+          <a:lnRef idx="2">
+            <a:schemeClr val="accent1">
+              <a:shade val="50000"/>
+            </a:schemeClr>
+          </a:lnRef>
+          <a:fillRef idx="1">
+            <a:schemeClr val="accent1"/>
+          </a:fillRef>
+          <a:effectRef idx="0">
+            <a:schemeClr val="accent1"/>
+          </a:effectRef>
+          <a:fontRef idx="minor">
+            <a:schemeClr val="lt1"/>
+          </a:fontRef>
+        </p:style>
+        <p:txBody>
+          <a:bodyPr rtlCol="0" anchor="ctr"/>
+          <a:lstStyle/>
+          <a:p>
+            <a:pPr algn="ctr"/>
+            <a:endParaRPr lang="en-US" dirty="0"/>
+          </a:p>
+        </p:txBody>
+      </p:sp>
+      <p:sp>
+        <p:nvSpPr>
+          <p:cNvPr id="15" name="Rectangle 14">
+            <a:extLst>
+              <a:ext uri="{FF2B5EF4-FFF2-40B4-BE49-F238E27FC236}">
+                <a16:creationId xmlns:a16="http://schemas.microsoft.com/office/drawing/2014/main" id="{EF16FE5D-E96E-0540-4F22-F680A0D670EE}"/>
+              </a:ext>
+            </a:extLst>
+          </p:cNvPr>
+          <p:cNvSpPr/>
+          <p:nvPr/>
+        </p:nvSpPr>
+        <p:spPr>
+          <a:xfrm>
+            <a:off x="2644896" y="3748508"/>
+            <a:ext cx="1041901" cy="180000"/>
+          </a:xfrm>
+          <a:prstGeom prst="rect">
+            <a:avLst/>
+          </a:prstGeom>
+          <a:noFill/>
+          <a:ln>
+            <a:solidFill>
+              <a:srgbClr val="C00000"/>
+            </a:solidFill>
+          </a:ln>
+        </p:spPr>
+        <p:style>
+          <a:lnRef idx="2">
+            <a:schemeClr val="accent1">
+              <a:shade val="50000"/>
+            </a:schemeClr>
+          </a:lnRef>
+          <a:fillRef idx="1">
+            <a:schemeClr val="accent1"/>
+          </a:fillRef>
+          <a:effectRef idx="0">
+            <a:schemeClr val="accent1"/>
+          </a:effectRef>
+          <a:fontRef idx="minor">
+            <a:schemeClr val="lt1"/>
+          </a:fontRef>
+        </p:style>
+        <p:txBody>
+          <a:bodyPr rtlCol="0" anchor="ctr"/>
+          <a:lstStyle/>
+          <a:p>
+            <a:pPr algn="ctr"/>
+            <a:endParaRPr lang="en-US" dirty="0"/>
+          </a:p>
+        </p:txBody>
+      </p:sp>
+      <p:sp>
+        <p:nvSpPr>
+          <p:cNvPr id="17" name="Google Shape;131;p51">
+            <a:extLst>
+              <a:ext uri="{FF2B5EF4-FFF2-40B4-BE49-F238E27FC236}">
+                <a16:creationId xmlns:a16="http://schemas.microsoft.com/office/drawing/2014/main" id="{E1857BEB-CE0A-3A39-9E69-567B919B156C}"/>
+              </a:ext>
+            </a:extLst>
+          </p:cNvPr>
+          <p:cNvSpPr txBox="1">
+            <a:spLocks/>
+          </p:cNvSpPr>
+          <p:nvPr/>
+        </p:nvSpPr>
+        <p:spPr>
+          <a:xfrm rot="16200000">
+            <a:off x="1906779" y="3403110"/>
+            <a:ext cx="964631" cy="176314"/>
+          </a:xfrm>
+          <a:prstGeom prst="rect">
+            <a:avLst/>
+          </a:prstGeom>
+          <a:solidFill>
+            <a:schemeClr val="bg1"/>
+          </a:solidFill>
+          <a:ln>
+            <a:noFill/>
+          </a:ln>
+        </p:spPr>
+        <p:txBody>
+          <a:bodyPr spcFirstLastPara="1" wrap="square" lIns="91425" tIns="0" rIns="91425" bIns="0" anchor="b" anchorCtr="0">
+            <a:noAutofit/>
+          </a:bodyPr>
+          <a:lstStyle>
+            <a:defPPr marR="0" lvl="0" algn="l" rtl="0">
+              <a:lnSpc>
+                <a:spcPct val="100000"/>
+              </a:lnSpc>
+              <a:spcBef>
+                <a:spcPts val="0"/>
+              </a:spcBef>
+              <a:spcAft>
+                <a:spcPts val="0"/>
+              </a:spcAft>
+            </a:defPPr>
+            <a:lvl1pPr marL="457200" marR="0" lvl="0" indent="-342900" algn="l" rtl="0">
+              <a:lnSpc>
+                <a:spcPct val="90000"/>
+              </a:lnSpc>
+              <a:spcBef>
+                <a:spcPts val="750"/>
+              </a:spcBef>
+              <a:spcAft>
+                <a:spcPts val="0"/>
+              </a:spcAft>
+              <a:buClr>
+                <a:schemeClr val="dk1"/>
+              </a:buClr>
+              <a:buSzPts val="1800"/>
+              <a:buFont typeface="Arial"/>
+              <a:buChar char="•"/>
+              <a:defRPr sz="2100" b="0" i="0" u="none" strike="noStrike" cap="none">
+                <a:solidFill>
+                  <a:schemeClr val="dk1"/>
+                </a:solidFill>
+                <a:latin typeface="Calibri"/>
+                <a:ea typeface="Calibri"/>
+                <a:cs typeface="Calibri"/>
+                <a:sym typeface="Calibri"/>
+              </a:defRPr>
+            </a:lvl1pPr>
+            <a:lvl2pPr marL="914400" marR="0" lvl="1" indent="-342900" algn="l" rtl="0">
+              <a:lnSpc>
+                <a:spcPct val="90000"/>
+              </a:lnSpc>
+              <a:spcBef>
+                <a:spcPts val="375"/>
+              </a:spcBef>
+              <a:spcAft>
+                <a:spcPts val="0"/>
+              </a:spcAft>
+              <a:buClr>
+                <a:schemeClr val="dk1"/>
+              </a:buClr>
+              <a:buSzPts val="1800"/>
+              <a:buFont typeface="Arial"/>
+              <a:buChar char="•"/>
+              <a:defRPr sz="1800" b="0" i="0" u="none" strike="noStrike" cap="none">
+                <a:solidFill>
+                  <a:schemeClr val="dk1"/>
+                </a:solidFill>
+                <a:latin typeface="Calibri"/>
+                <a:ea typeface="Calibri"/>
+                <a:cs typeface="Calibri"/>
+                <a:sym typeface="Calibri"/>
+              </a:defRPr>
+            </a:lvl2pPr>
+            <a:lvl3pPr marL="1371600" marR="0" lvl="2" indent="-342900" algn="l" rtl="0">
+              <a:lnSpc>
+                <a:spcPct val="90000"/>
+              </a:lnSpc>
+              <a:spcBef>
+                <a:spcPts val="375"/>
+              </a:spcBef>
+              <a:spcAft>
+                <a:spcPts val="0"/>
+              </a:spcAft>
+              <a:buClr>
+                <a:schemeClr val="dk1"/>
+              </a:buClr>
+              <a:buSzPts val="1800"/>
+              <a:buFont typeface="Arial"/>
+              <a:buChar char="•"/>
+              <a:defRPr sz="1500" b="0" i="0" u="none" strike="noStrike" cap="none">
+                <a:solidFill>
+                  <a:schemeClr val="dk1"/>
+                </a:solidFill>
+                <a:latin typeface="Calibri"/>
+                <a:ea typeface="Calibri"/>
+                <a:cs typeface="Calibri"/>
+                <a:sym typeface="Calibri"/>
+              </a:defRPr>
+            </a:lvl3pPr>
+            <a:lvl4pPr marL="1828800" marR="0" lvl="3" indent="-342900" algn="l" rtl="0">
+              <a:lnSpc>
+                <a:spcPct val="90000"/>
+              </a:lnSpc>
+              <a:spcBef>
+                <a:spcPts val="375"/>
+              </a:spcBef>
+              <a:spcAft>
+                <a:spcPts val="0"/>
+              </a:spcAft>
+              <a:buClr>
+                <a:schemeClr val="dk1"/>
+              </a:buClr>
+              <a:buSzPts val="1800"/>
+              <a:buFont typeface="Arial"/>
+              <a:buChar char="•"/>
+              <a:defRPr sz="1350" b="0" i="0" u="none" strike="noStrike" cap="none">
+                <a:solidFill>
+                  <a:schemeClr val="dk1"/>
+                </a:solidFill>
+                <a:latin typeface="Calibri"/>
+                <a:ea typeface="Calibri"/>
+                <a:cs typeface="Calibri"/>
+                <a:sym typeface="Calibri"/>
+              </a:defRPr>
+            </a:lvl4pPr>
+            <a:lvl5pPr marL="2286000" marR="0" lvl="4" indent="-342900" algn="l" rtl="0">
+              <a:lnSpc>
+                <a:spcPct val="90000"/>
+              </a:lnSpc>
+              <a:spcBef>
+                <a:spcPts val="375"/>
+              </a:spcBef>
+              <a:spcAft>
+                <a:spcPts val="0"/>
+              </a:spcAft>
+              <a:buClr>
+                <a:schemeClr val="dk1"/>
+              </a:buClr>
+              <a:buSzPts val="1800"/>
+              <a:buFont typeface="Arial"/>
+              <a:buChar char="•"/>
+              <a:defRPr sz="1350" b="0" i="0" u="none" strike="noStrike" cap="none">
+                <a:solidFill>
+                  <a:schemeClr val="dk1"/>
+                </a:solidFill>
+                <a:latin typeface="Calibri"/>
+                <a:ea typeface="Calibri"/>
+                <a:cs typeface="Calibri"/>
+                <a:sym typeface="Calibri"/>
+              </a:defRPr>
+            </a:lvl5pPr>
+            <a:lvl6pPr marL="2743200" marR="0" lvl="5" indent="-342900" algn="l" rtl="0">
+              <a:lnSpc>
+                <a:spcPct val="90000"/>
+              </a:lnSpc>
+              <a:spcBef>
+                <a:spcPts val="375"/>
+              </a:spcBef>
+              <a:spcAft>
+                <a:spcPts val="0"/>
+              </a:spcAft>
+              <a:buClr>
+                <a:schemeClr val="dk1"/>
+              </a:buClr>
+              <a:buSzPts val="1800"/>
+              <a:buFont typeface="Arial"/>
+              <a:buChar char="•"/>
+              <a:defRPr sz="1350" b="0" i="0" u="none" strike="noStrike" cap="none">
+                <a:solidFill>
+                  <a:schemeClr val="dk1"/>
+                </a:solidFill>
+                <a:latin typeface="Calibri"/>
+                <a:ea typeface="Calibri"/>
+                <a:cs typeface="Calibri"/>
+                <a:sym typeface="Calibri"/>
+              </a:defRPr>
+            </a:lvl6pPr>
+            <a:lvl7pPr marL="3200400" marR="0" lvl="6" indent="-342900" algn="l" rtl="0">
+              <a:lnSpc>
+                <a:spcPct val="90000"/>
+              </a:lnSpc>
+              <a:spcBef>
+                <a:spcPts val="375"/>
+              </a:spcBef>
+              <a:spcAft>
+                <a:spcPts val="0"/>
+              </a:spcAft>
+              <a:buClr>
+                <a:schemeClr val="dk1"/>
+              </a:buClr>
+              <a:buSzPts val="1800"/>
+              <a:buFont typeface="Arial"/>
+              <a:buChar char="•"/>
+              <a:defRPr sz="1350" b="0" i="0" u="none" strike="noStrike" cap="none">
+                <a:solidFill>
+                  <a:schemeClr val="dk1"/>
+                </a:solidFill>
+                <a:latin typeface="Calibri"/>
+                <a:ea typeface="Calibri"/>
+                <a:cs typeface="Calibri"/>
+                <a:sym typeface="Calibri"/>
+              </a:defRPr>
+            </a:lvl7pPr>
+            <a:lvl8pPr marL="3657600" marR="0" lvl="7" indent="-342900" algn="l" rtl="0">
+              <a:lnSpc>
+                <a:spcPct val="90000"/>
+              </a:lnSpc>
+              <a:spcBef>
+                <a:spcPts val="375"/>
+              </a:spcBef>
+              <a:spcAft>
+                <a:spcPts val="0"/>
+              </a:spcAft>
+              <a:buClr>
+                <a:schemeClr val="dk1"/>
+              </a:buClr>
+              <a:buSzPts val="1800"/>
+              <a:buFont typeface="Arial"/>
+              <a:buChar char="•"/>
+              <a:defRPr sz="1350" b="0" i="0" u="none" strike="noStrike" cap="none">
+                <a:solidFill>
+                  <a:schemeClr val="dk1"/>
+                </a:solidFill>
+                <a:latin typeface="Calibri"/>
+                <a:ea typeface="Calibri"/>
+                <a:cs typeface="Calibri"/>
+                <a:sym typeface="Calibri"/>
+              </a:defRPr>
+            </a:lvl8pPr>
+            <a:lvl9pPr marL="4114800" marR="0" lvl="8" indent="-342900" algn="l" rtl="0">
+              <a:lnSpc>
+                <a:spcPct val="90000"/>
+              </a:lnSpc>
+              <a:spcBef>
+                <a:spcPts val="375"/>
+              </a:spcBef>
+              <a:spcAft>
+                <a:spcPts val="0"/>
+              </a:spcAft>
+              <a:buClr>
+                <a:schemeClr val="dk1"/>
+              </a:buClr>
+              <a:buSzPts val="1800"/>
+              <a:buFont typeface="Arial"/>
+              <a:buChar char="•"/>
+              <a:defRPr sz="1350" b="0" i="0" u="none" strike="noStrike" cap="none">
+                <a:solidFill>
+                  <a:schemeClr val="dk1"/>
+                </a:solidFill>
+                <a:latin typeface="Calibri"/>
+                <a:ea typeface="Calibri"/>
+                <a:cs typeface="Calibri"/>
+                <a:sym typeface="Calibri"/>
+              </a:defRPr>
+            </a:lvl9pPr>
+          </a:lstStyle>
+          <a:p>
+            <a:pPr marL="0" indent="0" algn="ctr">
+              <a:spcBef>
+                <a:spcPts val="0"/>
+              </a:spcBef>
+              <a:buSzPts val="2100"/>
+              <a:buNone/>
+            </a:pPr>
+            <a:r>
+              <a:rPr lang="en-US" sz="1200" b="1" dirty="0">
+                <a:solidFill>
+                  <a:srgbClr val="C00000"/>
+                </a:solidFill>
+              </a:rPr>
+              <a:t>PITCHES</a:t>
+            </a:r>
+          </a:p>
+        </p:txBody>
+      </p:sp>
+      <p:sp>
+        <p:nvSpPr>
+          <p:cNvPr id="18" name="Google Shape;131;p51">
+            <a:extLst>
+              <a:ext uri="{FF2B5EF4-FFF2-40B4-BE49-F238E27FC236}">
+                <a16:creationId xmlns:a16="http://schemas.microsoft.com/office/drawing/2014/main" id="{8D61E303-F61A-0293-8FC2-4E9B7EABB344}"/>
+              </a:ext>
+            </a:extLst>
+          </p:cNvPr>
+          <p:cNvSpPr txBox="1">
+            <a:spLocks/>
+          </p:cNvSpPr>
+          <p:nvPr/>
+        </p:nvSpPr>
+        <p:spPr>
+          <a:xfrm>
+            <a:off x="4167499" y="4637024"/>
+            <a:ext cx="964631" cy="176314"/>
+          </a:xfrm>
+          <a:prstGeom prst="rect">
+            <a:avLst/>
+          </a:prstGeom>
+          <a:solidFill>
+            <a:schemeClr val="bg1"/>
+          </a:solidFill>
+          <a:ln>
+            <a:noFill/>
+          </a:ln>
+        </p:spPr>
+        <p:txBody>
+          <a:bodyPr spcFirstLastPara="1" wrap="square" lIns="91425" tIns="0" rIns="91425" bIns="0" anchor="b" anchorCtr="0">
+            <a:noAutofit/>
+          </a:bodyPr>
+          <a:lstStyle>
+            <a:defPPr marR="0" lvl="0" algn="l" rtl="0">
+              <a:lnSpc>
+                <a:spcPct val="100000"/>
+              </a:lnSpc>
+              <a:spcBef>
+                <a:spcPts val="0"/>
+              </a:spcBef>
+              <a:spcAft>
+                <a:spcPts val="0"/>
+              </a:spcAft>
+            </a:defPPr>
+            <a:lvl1pPr marL="457200" marR="0" lvl="0" indent="-342900" algn="l" rtl="0">
+              <a:lnSpc>
+                <a:spcPct val="90000"/>
+              </a:lnSpc>
+              <a:spcBef>
+                <a:spcPts val="750"/>
+              </a:spcBef>
+              <a:spcAft>
+                <a:spcPts val="0"/>
+              </a:spcAft>
+              <a:buClr>
+                <a:schemeClr val="dk1"/>
+              </a:buClr>
+              <a:buSzPts val="1800"/>
+              <a:buFont typeface="Arial"/>
+              <a:buChar char="•"/>
+              <a:defRPr sz="2100" b="0" i="0" u="none" strike="noStrike" cap="none">
+                <a:solidFill>
+                  <a:schemeClr val="dk1"/>
+                </a:solidFill>
+                <a:latin typeface="Calibri"/>
+                <a:ea typeface="Calibri"/>
+                <a:cs typeface="Calibri"/>
+                <a:sym typeface="Calibri"/>
+              </a:defRPr>
+            </a:lvl1pPr>
+            <a:lvl2pPr marL="914400" marR="0" lvl="1" indent="-342900" algn="l" rtl="0">
+              <a:lnSpc>
+                <a:spcPct val="90000"/>
+              </a:lnSpc>
+              <a:spcBef>
+                <a:spcPts val="375"/>
+              </a:spcBef>
+              <a:spcAft>
+                <a:spcPts val="0"/>
+              </a:spcAft>
+              <a:buClr>
+                <a:schemeClr val="dk1"/>
+              </a:buClr>
+              <a:buSzPts val="1800"/>
+              <a:buFont typeface="Arial"/>
+              <a:buChar char="•"/>
+              <a:defRPr sz="1800" b="0" i="0" u="none" strike="noStrike" cap="none">
+                <a:solidFill>
+                  <a:schemeClr val="dk1"/>
+                </a:solidFill>
+                <a:latin typeface="Calibri"/>
+                <a:ea typeface="Calibri"/>
+                <a:cs typeface="Calibri"/>
+                <a:sym typeface="Calibri"/>
+              </a:defRPr>
+            </a:lvl2pPr>
+            <a:lvl3pPr marL="1371600" marR="0" lvl="2" indent="-342900" algn="l" rtl="0">
+              <a:lnSpc>
+                <a:spcPct val="90000"/>
+              </a:lnSpc>
+              <a:spcBef>
+                <a:spcPts val="375"/>
+              </a:spcBef>
+              <a:spcAft>
+                <a:spcPts val="0"/>
+              </a:spcAft>
+              <a:buClr>
+                <a:schemeClr val="dk1"/>
+              </a:buClr>
+              <a:buSzPts val="1800"/>
+              <a:buFont typeface="Arial"/>
+              <a:buChar char="•"/>
+              <a:defRPr sz="1500" b="0" i="0" u="none" strike="noStrike" cap="none">
+                <a:solidFill>
+                  <a:schemeClr val="dk1"/>
+                </a:solidFill>
+                <a:latin typeface="Calibri"/>
+                <a:ea typeface="Calibri"/>
+                <a:cs typeface="Calibri"/>
+                <a:sym typeface="Calibri"/>
+              </a:defRPr>
+            </a:lvl3pPr>
+            <a:lvl4pPr marL="1828800" marR="0" lvl="3" indent="-342900" algn="l" rtl="0">
+              <a:lnSpc>
+                <a:spcPct val="90000"/>
+              </a:lnSpc>
+              <a:spcBef>
+                <a:spcPts val="375"/>
+              </a:spcBef>
+              <a:spcAft>
+                <a:spcPts val="0"/>
+              </a:spcAft>
+              <a:buClr>
+                <a:schemeClr val="dk1"/>
+              </a:buClr>
+              <a:buSzPts val="1800"/>
+              <a:buFont typeface="Arial"/>
+              <a:buChar char="•"/>
+              <a:defRPr sz="1350" b="0" i="0" u="none" strike="noStrike" cap="none">
+                <a:solidFill>
+                  <a:schemeClr val="dk1"/>
+                </a:solidFill>
+                <a:latin typeface="Calibri"/>
+                <a:ea typeface="Calibri"/>
+                <a:cs typeface="Calibri"/>
+                <a:sym typeface="Calibri"/>
+              </a:defRPr>
+            </a:lvl4pPr>
+            <a:lvl5pPr marL="2286000" marR="0" lvl="4" indent="-342900" algn="l" rtl="0">
+              <a:lnSpc>
+                <a:spcPct val="90000"/>
+              </a:lnSpc>
+              <a:spcBef>
+                <a:spcPts val="375"/>
+              </a:spcBef>
+              <a:spcAft>
+                <a:spcPts val="0"/>
+              </a:spcAft>
+              <a:buClr>
+                <a:schemeClr val="dk1"/>
+              </a:buClr>
+              <a:buSzPts val="1800"/>
+              <a:buFont typeface="Arial"/>
+              <a:buChar char="•"/>
+              <a:defRPr sz="1350" b="0" i="0" u="none" strike="noStrike" cap="none">
+                <a:solidFill>
+                  <a:schemeClr val="dk1"/>
+                </a:solidFill>
+                <a:latin typeface="Calibri"/>
+                <a:ea typeface="Calibri"/>
+                <a:cs typeface="Calibri"/>
+                <a:sym typeface="Calibri"/>
+              </a:defRPr>
+            </a:lvl5pPr>
+            <a:lvl6pPr marL="2743200" marR="0" lvl="5" indent="-342900" algn="l" rtl="0">
+              <a:lnSpc>
+                <a:spcPct val="90000"/>
+              </a:lnSpc>
+              <a:spcBef>
+                <a:spcPts val="375"/>
+              </a:spcBef>
+              <a:spcAft>
+                <a:spcPts val="0"/>
+              </a:spcAft>
+              <a:buClr>
+                <a:schemeClr val="dk1"/>
+              </a:buClr>
+              <a:buSzPts val="1800"/>
+              <a:buFont typeface="Arial"/>
+              <a:buChar char="•"/>
+              <a:defRPr sz="1350" b="0" i="0" u="none" strike="noStrike" cap="none">
+                <a:solidFill>
+                  <a:schemeClr val="dk1"/>
+                </a:solidFill>
+                <a:latin typeface="Calibri"/>
+                <a:ea typeface="Calibri"/>
+                <a:cs typeface="Calibri"/>
+                <a:sym typeface="Calibri"/>
+              </a:defRPr>
+            </a:lvl6pPr>
+            <a:lvl7pPr marL="3200400" marR="0" lvl="6" indent="-342900" algn="l" rtl="0">
+              <a:lnSpc>
+                <a:spcPct val="90000"/>
+              </a:lnSpc>
+              <a:spcBef>
+                <a:spcPts val="375"/>
+              </a:spcBef>
+              <a:spcAft>
+                <a:spcPts val="0"/>
+              </a:spcAft>
+              <a:buClr>
+                <a:schemeClr val="dk1"/>
+              </a:buClr>
+              <a:buSzPts val="1800"/>
+              <a:buFont typeface="Arial"/>
+              <a:buChar char="•"/>
+              <a:defRPr sz="1350" b="0" i="0" u="none" strike="noStrike" cap="none">
+                <a:solidFill>
+                  <a:schemeClr val="dk1"/>
+                </a:solidFill>
+                <a:latin typeface="Calibri"/>
+                <a:ea typeface="Calibri"/>
+                <a:cs typeface="Calibri"/>
+                <a:sym typeface="Calibri"/>
+              </a:defRPr>
+            </a:lvl7pPr>
+            <a:lvl8pPr marL="3657600" marR="0" lvl="7" indent="-342900" algn="l" rtl="0">
+              <a:lnSpc>
+                <a:spcPct val="90000"/>
+              </a:lnSpc>
+              <a:spcBef>
+                <a:spcPts val="375"/>
+              </a:spcBef>
+              <a:spcAft>
+                <a:spcPts val="0"/>
+              </a:spcAft>
+              <a:buClr>
+                <a:schemeClr val="dk1"/>
+              </a:buClr>
+              <a:buSzPts val="1800"/>
+              <a:buFont typeface="Arial"/>
+              <a:buChar char="•"/>
+              <a:defRPr sz="1350" b="0" i="0" u="none" strike="noStrike" cap="none">
+                <a:solidFill>
+                  <a:schemeClr val="dk1"/>
+                </a:solidFill>
+                <a:latin typeface="Calibri"/>
+                <a:ea typeface="Calibri"/>
+                <a:cs typeface="Calibri"/>
+                <a:sym typeface="Calibri"/>
+              </a:defRPr>
+            </a:lvl8pPr>
+            <a:lvl9pPr marL="4114800" marR="0" lvl="8" indent="-342900" algn="l" rtl="0">
+              <a:lnSpc>
+                <a:spcPct val="90000"/>
+              </a:lnSpc>
+              <a:spcBef>
+                <a:spcPts val="375"/>
+              </a:spcBef>
+              <a:spcAft>
+                <a:spcPts val="0"/>
+              </a:spcAft>
+              <a:buClr>
+                <a:schemeClr val="dk1"/>
+              </a:buClr>
+              <a:buSzPts val="1800"/>
+              <a:buFont typeface="Arial"/>
+              <a:buChar char="•"/>
+              <a:defRPr sz="1350" b="0" i="0" u="none" strike="noStrike" cap="none">
+                <a:solidFill>
+                  <a:schemeClr val="dk1"/>
+                </a:solidFill>
+                <a:latin typeface="Calibri"/>
+                <a:ea typeface="Calibri"/>
+                <a:cs typeface="Calibri"/>
+                <a:sym typeface="Calibri"/>
+              </a:defRPr>
+            </a:lvl9pPr>
+          </a:lstStyle>
+          <a:p>
+            <a:pPr marL="0" indent="0" algn="ctr">
+              <a:spcBef>
+                <a:spcPts val="0"/>
+              </a:spcBef>
+              <a:buSzPts val="2100"/>
+              <a:buNone/>
+            </a:pPr>
+            <a:r>
+              <a:rPr lang="en-US" sz="1200" b="1" dirty="0">
+                <a:solidFill>
+                  <a:srgbClr val="C00000"/>
+                </a:solidFill>
+              </a:rPr>
+              <a:t>TIME</a:t>
+            </a:r>
+          </a:p>
+        </p:txBody>
+      </p:sp>
+      <p:cxnSp>
+        <p:nvCxnSpPr>
+          <p:cNvPr id="23" name="Straight Arrow Connector 22">
+            <a:extLst>
+              <a:ext uri="{FF2B5EF4-FFF2-40B4-BE49-F238E27FC236}">
+                <a16:creationId xmlns:a16="http://schemas.microsoft.com/office/drawing/2014/main" id="{E3FC8420-7C96-097E-B335-404926D0F13B}"/>
+              </a:ext>
+            </a:extLst>
+          </p:cNvPr>
+          <p:cNvCxnSpPr>
+            <a:cxnSpLocks/>
+          </p:cNvCxnSpPr>
+          <p:nvPr/>
+        </p:nvCxnSpPr>
+        <p:spPr>
+          <a:xfrm flipV="1">
+            <a:off x="2511233" y="2523856"/>
+            <a:ext cx="0" cy="2083256"/>
+          </a:xfrm>
+          <a:prstGeom prst="straightConnector1">
+            <a:avLst/>
+          </a:prstGeom>
+          <a:ln w="25400">
+            <a:solidFill>
+              <a:srgbClr val="C00000"/>
+            </a:solidFill>
+            <a:tailEnd type="triangle"/>
+          </a:ln>
+        </p:spPr>
+        <p:style>
+          <a:lnRef idx="1">
+            <a:schemeClr val="accent1"/>
+          </a:lnRef>
+          <a:fillRef idx="0">
+            <a:schemeClr val="accent1"/>
+          </a:fillRef>
+          <a:effectRef idx="0">
+            <a:schemeClr val="accent1"/>
+          </a:effectRef>
+          <a:fontRef idx="minor">
+            <a:schemeClr val="tx1"/>
+          </a:fontRef>
+        </p:style>
+      </p:cxnSp>
+      <p:cxnSp>
+        <p:nvCxnSpPr>
+          <p:cNvPr id="29" name="Straight Arrow Connector 28">
+            <a:extLst>
+              <a:ext uri="{FF2B5EF4-FFF2-40B4-BE49-F238E27FC236}">
+                <a16:creationId xmlns:a16="http://schemas.microsoft.com/office/drawing/2014/main" id="{3C43EDC3-FC00-1B10-3B1F-484D557BDFFB}"/>
+              </a:ext>
+            </a:extLst>
+          </p:cNvPr>
+          <p:cNvCxnSpPr>
+            <a:cxnSpLocks/>
+          </p:cNvCxnSpPr>
+          <p:nvPr/>
+        </p:nvCxnSpPr>
+        <p:spPr>
+          <a:xfrm>
+            <a:off x="2504275" y="4607112"/>
+            <a:ext cx="3807937" cy="12278"/>
+          </a:xfrm>
+          <a:prstGeom prst="straightConnector1">
+            <a:avLst/>
+          </a:prstGeom>
+          <a:ln w="25400">
+            <a:solidFill>
+              <a:srgbClr val="C00000"/>
+            </a:solidFill>
+            <a:tailEnd type="triangle"/>
+          </a:ln>
+        </p:spPr>
+        <p:style>
+          <a:lnRef idx="1">
+            <a:schemeClr val="accent1"/>
+          </a:lnRef>
+          <a:fillRef idx="0">
+            <a:schemeClr val="accent1"/>
+          </a:fillRef>
+          <a:effectRef idx="0">
+            <a:schemeClr val="accent1"/>
+          </a:effectRef>
+          <a:fontRef idx="minor">
+            <a:schemeClr val="tx1"/>
+          </a:fontRef>
+        </p:style>
+      </p:cxnSp>
     </p:spTree>
   </p:cSld>
   <p:clrMapOvr>
     <a:masterClrMapping/>
   </p:clrMapOvr>
+  <p:timing>
+    <p:tnLst>
+      <p:par>
+        <p:cTn id="1" dur="indefinite" restart="never" nodeType="tmRoot">
+          <p:childTnLst>
+            <p:seq concurrent="1" nextAc="seek">
+              <p:cTn id="2" dur="indefinite" nodeType="mainSeq">
+                <p:childTnLst>
+                  <p:par>
+                    <p:cTn id="3" fill="hold">
+                      <p:stCondLst>
+                        <p:cond delay="indefinite"/>
+                      </p:stCondLst>
+                      <p:childTnLst>
+                        <p:par>
+                          <p:cTn id="4" fill="hold">
+                            <p:stCondLst>
+                              <p:cond delay="0"/>
+                            </p:stCondLst>
+                            <p:childTnLst>
+                              <p:par>
+                                <p:cTn id="5" presetID="10" presetClass="entr" presetSubtype="0" fill="hold" grpId="0" nodeType="clickEffect">
+                                  <p:stCondLst>
+                                    <p:cond delay="0"/>
+                                  </p:stCondLst>
+                                  <p:childTnLst>
+                                    <p:set>
+                                      <p:cBhvr>
+                                        <p:cTn id="6" dur="1" fill="hold">
+                                          <p:stCondLst>
+                                            <p:cond delay="0"/>
+                                          </p:stCondLst>
+                                        </p:cTn>
+                                        <p:tgtEl>
+                                          <p:spTgt spid="15"/>
+                                        </p:tgtEl>
+                                        <p:attrNameLst>
+                                          <p:attrName>style.visibility</p:attrName>
+                                        </p:attrNameLst>
+                                      </p:cBhvr>
+                                      <p:to>
+                                        <p:strVal val="visible"/>
+                                      </p:to>
+                                    </p:set>
+                                    <p:animEffect transition="in" filter="fade">
+                                      <p:cBhvr>
+                                        <p:cTn id="7" dur="1000"/>
+                                        <p:tgtEl>
+                                          <p:spTgt spid="15"/>
+                                        </p:tgtEl>
+                                      </p:cBhvr>
+                                    </p:animEffect>
+                                  </p:childTnLst>
+                                </p:cTn>
+                              </p:par>
+                              <p:par>
+                                <p:cTn id="8" presetID="10" presetClass="entr" presetSubtype="0" fill="hold" grpId="0" nodeType="withEffect">
+                                  <p:stCondLst>
+                                    <p:cond delay="0"/>
+                                  </p:stCondLst>
+                                  <p:childTnLst>
+                                    <p:set>
+                                      <p:cBhvr>
+                                        <p:cTn id="9" dur="1" fill="hold">
+                                          <p:stCondLst>
+                                            <p:cond delay="0"/>
+                                          </p:stCondLst>
+                                        </p:cTn>
+                                        <p:tgtEl>
+                                          <p:spTgt spid="12"/>
+                                        </p:tgtEl>
+                                        <p:attrNameLst>
+                                          <p:attrName>style.visibility</p:attrName>
+                                        </p:attrNameLst>
+                                      </p:cBhvr>
+                                      <p:to>
+                                        <p:strVal val="visible"/>
+                                      </p:to>
+                                    </p:set>
+                                    <p:animEffect transition="in" filter="fade">
+                                      <p:cBhvr>
+                                        <p:cTn id="10" dur="1000"/>
+                                        <p:tgtEl>
+                                          <p:spTgt spid="12"/>
+                                        </p:tgtEl>
+                                      </p:cBhvr>
+                                    </p:animEffect>
+                                  </p:childTnLst>
+                                </p:cTn>
+                              </p:par>
+                              <p:par>
+                                <p:cTn id="11" presetID="10" presetClass="entr" presetSubtype="0" fill="hold" grpId="0" nodeType="withEffect">
+                                  <p:stCondLst>
+                                    <p:cond delay="0"/>
+                                  </p:stCondLst>
+                                  <p:childTnLst>
+                                    <p:set>
+                                      <p:cBhvr>
+                                        <p:cTn id="12" dur="1" fill="hold">
+                                          <p:stCondLst>
+                                            <p:cond delay="0"/>
+                                          </p:stCondLst>
+                                        </p:cTn>
+                                        <p:tgtEl>
+                                          <p:spTgt spid="14"/>
+                                        </p:tgtEl>
+                                        <p:attrNameLst>
+                                          <p:attrName>style.visibility</p:attrName>
+                                        </p:attrNameLst>
+                                      </p:cBhvr>
+                                      <p:to>
+                                        <p:strVal val="visible"/>
+                                      </p:to>
+                                    </p:set>
+                                    <p:animEffect transition="in" filter="fade">
+                                      <p:cBhvr>
+                                        <p:cTn id="13" dur="1000"/>
+                                        <p:tgtEl>
+                                          <p:spTgt spid="14"/>
+                                        </p:tgtEl>
+                                      </p:cBhvr>
+                                    </p:animEffect>
+                                  </p:childTnLst>
+                                </p:cTn>
+                              </p:par>
+                            </p:childTnLst>
+                          </p:cTn>
+                        </p:par>
+                      </p:childTnLst>
+                    </p:cTn>
+                  </p:par>
+                </p:childTnLst>
+              </p:cTn>
+              <p:prevCondLst>
+                <p:cond evt="onPrev" delay="0">
+                  <p:tgtEl>
+                    <p:sldTgt/>
+                  </p:tgtEl>
+                </p:cond>
+              </p:prevCondLst>
+              <p:nextCondLst>
+                <p:cond evt="onNext" delay="0">
+                  <p:tgtEl>
+                    <p:sldTgt/>
+                  </p:tgtEl>
+                </p:cond>
+              </p:nextCondLst>
+            </p:seq>
+          </p:childTnLst>
+        </p:cTn>
+      </p:par>
+    </p:tnLst>
+    <p:bldLst>
+      <p:bldP spid="12" grpId="0" animBg="1"/>
+      <p:bldP spid="14" grpId="0" animBg="1"/>
+      <p:bldP spid="15" grpId="0" animBg="1"/>
+    </p:bldLst>
+  </p:timing>
 </p:sld>
 </file>
 

--- a/docs/AII - Project Slides.pptx
+++ b/docs/AII - Project Slides.pptx
@@ -32531,11 +32531,7 @@
             </a:r>
             <a:r>
               <a:rPr lang="it-IT" b="1" dirty="0"/>
-              <a:t> </a:t>
-            </a:r>
-            <a:r>
-              <a:rPr lang="it-IT" b="1" dirty="0" err="1"/>
-              <a:t>ReLU</a:t>
+              <a:t> ReLU</a:t>
             </a:r>
             <a:r>
               <a:rPr lang="it-IT" dirty="0"/>
@@ -32545,6 +32541,9 @@
               <a:rPr lang="it-IT" dirty="0" err="1"/>
               <a:t>effect</a:t>
             </a:r>
+            <a:br>
+              <a:rPr lang="it-IT" dirty="0"/>
+            </a:br>
             <a:endParaRPr lang="it-IT" dirty="0"/>
           </a:p>
           <a:p>
@@ -32648,56 +32647,10 @@
               <a:rPr lang="it-IT" dirty="0"/>
               <a:t> or false)</a:t>
             </a:r>
-          </a:p>
-          <a:p>
-            <a:pPr marL="476250">
-              <a:buSzPts val="2100"/>
-              <a:buFont typeface="Arial" panose="020B0604020202020204" pitchFamily="34" charset="0"/>
-              <a:buChar char="•"/>
-            </a:pPr>
-            <a:r>
-              <a:rPr lang="it-IT" b="1" dirty="0"/>
-              <a:t>ArcFace</a:t>
-            </a:r>
-            <a:r>
+            <a:br>
               <a:rPr lang="it-IT" dirty="0"/>
-              <a:t> Loss (</a:t>
-            </a:r>
-            <a:r>
-              <a:rPr lang="it-IT" dirty="0" err="1"/>
-              <a:t>true</a:t>
-            </a:r>
-            <a:r>
-              <a:rPr lang="it-IT" dirty="0"/>
-              <a:t> of false)</a:t>
-            </a:r>
-          </a:p>
-          <a:p>
-            <a:pPr marL="476250">
-              <a:buSzPts val="2100"/>
-              <a:buFont typeface="Arial" panose="020B0604020202020204" pitchFamily="34" charset="0"/>
-              <a:buChar char="•"/>
-            </a:pPr>
-            <a:r>
-              <a:rPr lang="it-IT" b="1" dirty="0" err="1"/>
-              <a:t>Epoch’s</a:t>
-            </a:r>
-            <a:r>
-              <a:rPr lang="it-IT" b="1" dirty="0"/>
-              <a:t> </a:t>
-            </a:r>
-            <a:r>
-              <a:rPr lang="it-IT" b="1" dirty="0" err="1"/>
-              <a:t>length</a:t>
-            </a:r>
-            <a:r>
-              <a:rPr lang="it-IT" b="1" dirty="0"/>
-              <a:t> </a:t>
-            </a:r>
-            <a:r>
-              <a:rPr lang="it-IT" dirty="0"/>
-              <a:t>(1 or 3)</a:t>
-            </a:r>
+            </a:br>
+            <a:endParaRPr lang="it-IT" dirty="0"/>
           </a:p>
           <a:p>
             <a:pPr marL="476250">
@@ -35659,6 +35612,41 @@
           </a:p>
         </p:txBody>
       </p:sp>
+      <p:pic>
+        <p:nvPicPr>
+          <p:cNvPr id="2" name="Picture 1">
+            <a:extLst>
+              <a:ext uri="{FF2B5EF4-FFF2-40B4-BE49-F238E27FC236}">
+                <a16:creationId xmlns:a16="http://schemas.microsoft.com/office/drawing/2014/main" id="{99CAE661-CB1F-12E2-ED43-03247CEFF2DC}"/>
+              </a:ext>
+            </a:extLst>
+          </p:cNvPr>
+          <p:cNvPicPr>
+            <a:picLocks noChangeAspect="1"/>
+          </p:cNvPicPr>
+          <p:nvPr/>
+        </p:nvPicPr>
+        <p:blipFill>
+          <a:blip r:embed="rId3"/>
+          <a:stretch>
+            <a:fillRect/>
+          </a:stretch>
+        </p:blipFill>
+        <p:spPr>
+          <a:xfrm>
+            <a:off x="6030722" y="3749152"/>
+            <a:ext cx="2484628" cy="883571"/>
+          </a:xfrm>
+          <a:prstGeom prst="rect">
+            <a:avLst/>
+          </a:prstGeom>
+          <a:ln w="19050">
+            <a:solidFill>
+              <a:srgbClr val="C00000"/>
+            </a:solidFill>
+          </a:ln>
+        </p:spPr>
+      </p:pic>
     </p:spTree>
   </p:cSld>
   <p:clrMapOvr>

--- a/docs/AII - Project Slides.pptx
+++ b/docs/AII - Project Slides.pptx
@@ -296,7 +296,7 @@
       <p15:sldGuideLst xmlns:p15="http://schemas.microsoft.com/office/powerpoint/2012/main"/>
     </p:ext>
     <p:ext uri="http://customooxmlschemas.google.com/">
-      <go:slidesCustomData xmlns:go="http://customooxmlschemas.google.com/" xmlns:ahyp="http://schemas.microsoft.com/office/drawing/2018/hyperlinkcolor" xmlns:p15="http://schemas.microsoft.com/office/powerpoint/2012/main" xmlns:p14="http://schemas.microsoft.com/office/powerpoint/2010/main" xmlns:com="http://schemas.openxmlformats.org/drawingml/2006/compatibility" xmlns:pvml="urn:schemas-microsoft-com:office:powerpoint" xmlns:v="urn:schemas-microsoft-com:vml" xmlns:o="urn:schemas-microsoft-com:office:office" xmlns:dgm="http://schemas.openxmlformats.org/drawingml/2006/diagram" xmlns:c="http://schemas.openxmlformats.org/drawingml/2006/chart" xmlns:mv="urn:schemas-microsoft-com:mac:vml" xmlns:mc="http://schemas.openxmlformats.org/markup-compatibility/2006" xmlns="" r:id="rId55" roundtripDataSignature="AMtx7mg4HEnSfMocqsXlYeOUhWhSEmD4jQ=="/>
+      <go:slidesCustomData xmlns="" xmlns:mc="http://schemas.openxmlformats.org/markup-compatibility/2006" xmlns:mv="urn:schemas-microsoft-com:mac:vml" xmlns:c="http://schemas.openxmlformats.org/drawingml/2006/chart" xmlns:dgm="http://schemas.openxmlformats.org/drawingml/2006/diagram" xmlns:o="urn:schemas-microsoft-com:office:office" xmlns:v="urn:schemas-microsoft-com:vml" xmlns:pvml="urn:schemas-microsoft-com:office:powerpoint" xmlns:com="http://schemas.openxmlformats.org/drawingml/2006/compatibility" xmlns:p14="http://schemas.microsoft.com/office/powerpoint/2010/main" xmlns:p15="http://schemas.microsoft.com/office/powerpoint/2012/main" xmlns:ahyp="http://schemas.microsoft.com/office/drawing/2018/hyperlinkcolor" xmlns:go="http://customooxmlschemas.google.com/" r:id="rId55" roundtripDataSignature="AMtx7mg4HEnSfMocqsXlYeOUhWhSEmD4jQ=="/>
     </p:ext>
   </p:extLst>
 </p:presentation>
@@ -32807,7 +32807,7 @@
         </p:nvSpPr>
         <p:spPr>
           <a:xfrm>
-            <a:off x="3286673" y="2617328"/>
+            <a:off x="3286673" y="2624824"/>
             <a:ext cx="97878" cy="87772"/>
           </a:xfrm>
           <a:prstGeom prst="ellipse">
@@ -34593,6 +34593,103 @@
           </a:p>
         </p:txBody>
       </p:sp>
+      <p:sp>
+        <p:nvSpPr>
+          <p:cNvPr id="16" name="Oval 15">
+            <a:extLst>
+              <a:ext uri="{FF2B5EF4-FFF2-40B4-BE49-F238E27FC236}">
+                <a16:creationId xmlns:a16="http://schemas.microsoft.com/office/drawing/2014/main" id="{E66836F3-7C75-5596-4D2F-A0202D3E0009}"/>
+              </a:ext>
+            </a:extLst>
+          </p:cNvPr>
+          <p:cNvSpPr/>
+          <p:nvPr/>
+        </p:nvSpPr>
+        <p:spPr>
+          <a:xfrm>
+            <a:off x="3474779" y="2596747"/>
+            <a:ext cx="97878" cy="87772"/>
+          </a:xfrm>
+          <a:prstGeom prst="ellipse">
+            <a:avLst/>
+          </a:prstGeom>
+          <a:noFill/>
+          <a:ln>
+            <a:solidFill>
+              <a:srgbClr val="C00000"/>
+            </a:solidFill>
+          </a:ln>
+        </p:spPr>
+        <p:style>
+          <a:lnRef idx="2">
+            <a:schemeClr val="accent1">
+              <a:shade val="50000"/>
+            </a:schemeClr>
+          </a:lnRef>
+          <a:fillRef idx="1">
+            <a:schemeClr val="accent1"/>
+          </a:fillRef>
+          <a:effectRef idx="0">
+            <a:schemeClr val="accent1"/>
+          </a:effectRef>
+          <a:fontRef idx="minor">
+            <a:schemeClr val="lt1"/>
+          </a:fontRef>
+        </p:style>
+        <p:txBody>
+          <a:bodyPr rtlCol="0" anchor="ctr"/>
+          <a:lstStyle/>
+          <a:p>
+            <a:pPr algn="ctr"/>
+            <a:endParaRPr lang="en-US"/>
+          </a:p>
+        </p:txBody>
+      </p:sp>
+      <p:cxnSp>
+        <p:nvCxnSpPr>
+          <p:cNvPr id="17" name="Straight Arrow Connector 16">
+            <a:extLst>
+              <a:ext uri="{FF2B5EF4-FFF2-40B4-BE49-F238E27FC236}">
+                <a16:creationId xmlns:a16="http://schemas.microsoft.com/office/drawing/2014/main" id="{2E7E5354-5AF2-57CC-5DD6-BA6CEF094AA9}"/>
+              </a:ext>
+            </a:extLst>
+          </p:cNvPr>
+          <p:cNvCxnSpPr>
+            <a:cxnSpLocks/>
+            <a:endCxn id="16" idx="0"/>
+          </p:cNvCxnSpPr>
+          <p:nvPr/>
+        </p:nvCxnSpPr>
+        <p:spPr>
+          <a:xfrm flipH="1">
+            <a:off x="3523718" y="2295070"/>
+            <a:ext cx="45191" cy="301677"/>
+          </a:xfrm>
+          <a:prstGeom prst="straightConnector1">
+            <a:avLst/>
+          </a:prstGeom>
+          <a:ln w="15875">
+            <a:solidFill>
+              <a:srgbClr val="C00000"/>
+            </a:solidFill>
+            <a:tailEnd type="triangle"/>
+          </a:ln>
+        </p:spPr>
+        <p:style>
+          <a:lnRef idx="1">
+            <a:schemeClr val="accent1"/>
+          </a:lnRef>
+          <a:fillRef idx="0">
+            <a:schemeClr val="accent1"/>
+          </a:fillRef>
+          <a:effectRef idx="0">
+            <a:schemeClr val="accent1"/>
+          </a:effectRef>
+          <a:fontRef idx="minor">
+            <a:schemeClr val="tx1"/>
+          </a:fontRef>
+        </p:style>
+      </p:cxnSp>
     </p:spTree>
     <p:extLst>
       <p:ext uri="{BB962C8B-B14F-4D97-AF65-F5344CB8AC3E}">
@@ -35026,6 +35123,111 @@
                                   </p:childTnLst>
                                 </p:cTn>
                               </p:par>
+                              <p:par>
+                                <p:cTn id="40" presetID="10" presetClass="entr" presetSubtype="0" fill="hold" grpId="0" nodeType="withEffect">
+                                  <p:stCondLst>
+                                    <p:cond delay="0"/>
+                                  </p:stCondLst>
+                                  <p:childTnLst>
+                                    <p:set>
+                                      <p:cBhvr>
+                                        <p:cTn id="41" dur="1" fill="hold">
+                                          <p:stCondLst>
+                                            <p:cond delay="0"/>
+                                          </p:stCondLst>
+                                        </p:cTn>
+                                        <p:tgtEl>
+                                          <p:spTgt spid="16"/>
+                                        </p:tgtEl>
+                                        <p:attrNameLst>
+                                          <p:attrName>style.visibility</p:attrName>
+                                        </p:attrNameLst>
+                                      </p:cBhvr>
+                                      <p:to>
+                                        <p:strVal val="visible"/>
+                                      </p:to>
+                                    </p:set>
+                                    <p:animEffect transition="in" filter="fade">
+                                      <p:cBhvr>
+                                        <p:cTn id="42" dur="1000"/>
+                                        <p:tgtEl>
+                                          <p:spTgt spid="16"/>
+                                        </p:tgtEl>
+                                      </p:cBhvr>
+                                    </p:animEffect>
+                                  </p:childTnLst>
+                                </p:cTn>
+                              </p:par>
+                              <p:par>
+                                <p:cTn id="43" presetID="10" presetClass="entr" presetSubtype="0" fill="hold" nodeType="withEffect">
+                                  <p:stCondLst>
+                                    <p:cond delay="0"/>
+                                  </p:stCondLst>
+                                  <p:childTnLst>
+                                    <p:set>
+                                      <p:cBhvr>
+                                        <p:cTn id="44" dur="1" fill="hold">
+                                          <p:stCondLst>
+                                            <p:cond delay="0"/>
+                                          </p:stCondLst>
+                                        </p:cTn>
+                                        <p:tgtEl>
+                                          <p:spTgt spid="17"/>
+                                        </p:tgtEl>
+                                        <p:attrNameLst>
+                                          <p:attrName>style.visibility</p:attrName>
+                                        </p:attrNameLst>
+                                      </p:cBhvr>
+                                      <p:to>
+                                        <p:strVal val="visible"/>
+                                      </p:to>
+                                    </p:set>
+                                    <p:animEffect transition="in" filter="fade">
+                                      <p:cBhvr>
+                                        <p:cTn id="45" dur="1000"/>
+                                        <p:tgtEl>
+                                          <p:spTgt spid="17"/>
+                                        </p:tgtEl>
+                                      </p:cBhvr>
+                                    </p:animEffect>
+                                  </p:childTnLst>
+                                </p:cTn>
+                              </p:par>
+                              <p:par>
+                                <p:cTn id="46" presetID="10" presetClass="entr" presetSubtype="0" fill="hold" nodeType="withEffect">
+                                  <p:stCondLst>
+                                    <p:cond delay="0"/>
+                                  </p:stCondLst>
+                                  <p:childTnLst>
+                                    <p:set>
+                                      <p:cBhvr>
+                                        <p:cTn id="47" dur="1" fill="hold">
+                                          <p:stCondLst>
+                                            <p:cond delay="0"/>
+                                          </p:stCondLst>
+                                        </p:cTn>
+                                        <p:tgtEl>
+                                          <p:spTgt spid="17"/>
+                                        </p:tgtEl>
+                                        <p:attrNameLst>
+                                          <p:attrName>style.visibility</p:attrName>
+                                        </p:attrNameLst>
+                                      </p:cBhvr>
+                                      <p:to>
+                                        <p:strVal val="visible"/>
+                                      </p:to>
+                                    </p:set>
+                                    <p:animEffect transition="in" filter="fade">
+                                      <p:cBhvr>
+                                        <p:cTn id="48" dur="1000"/>
+                                        <p:tgtEl>
+                                          <p:spTgt spid="17"/>
+                                        </p:tgtEl>
+                                      </p:cBhvr>
+                                    </p:animEffect>
+                                  </p:childTnLst>
+                                </p:cTn>
+                              </p:par>
                             </p:childTnLst>
                           </p:cTn>
                         </p:par>
@@ -35062,6 +35264,7 @@
       <p:bldP spid="20" grpId="0" animBg="1"/>
       <p:bldP spid="22" grpId="0"/>
       <p:bldP spid="23" grpId="1"/>
+      <p:bldP spid="16" grpId="0" animBg="1"/>
     </p:bldLst>
   </p:timing>
 </p:sld>

--- a/docs/AII - Project Slides.pptx
+++ b/docs/AII - Project Slides.pptx
@@ -296,7 +296,7 @@
       <p15:sldGuideLst xmlns:p15="http://schemas.microsoft.com/office/powerpoint/2012/main"/>
     </p:ext>
     <p:ext uri="http://customooxmlschemas.google.com/">
-      <go:slidesCustomData xmlns="" xmlns:mc="http://schemas.openxmlformats.org/markup-compatibility/2006" xmlns:mv="urn:schemas-microsoft-com:mac:vml" xmlns:c="http://schemas.openxmlformats.org/drawingml/2006/chart" xmlns:dgm="http://schemas.openxmlformats.org/drawingml/2006/diagram" xmlns:o="urn:schemas-microsoft-com:office:office" xmlns:v="urn:schemas-microsoft-com:vml" xmlns:pvml="urn:schemas-microsoft-com:office:powerpoint" xmlns:com="http://schemas.openxmlformats.org/drawingml/2006/compatibility" xmlns:p14="http://schemas.microsoft.com/office/powerpoint/2010/main" xmlns:p15="http://schemas.microsoft.com/office/powerpoint/2012/main" xmlns:ahyp="http://schemas.microsoft.com/office/drawing/2018/hyperlinkcolor" xmlns:go="http://customooxmlschemas.google.com/" r:id="rId55" roundtripDataSignature="AMtx7mg4HEnSfMocqsXlYeOUhWhSEmD4jQ=="/>
+      <go:slidesCustomData xmlns:go="http://customooxmlschemas.google.com/" xmlns:ahyp="http://schemas.microsoft.com/office/drawing/2018/hyperlinkcolor" xmlns:p15="http://schemas.microsoft.com/office/powerpoint/2012/main" xmlns:p14="http://schemas.microsoft.com/office/powerpoint/2010/main" xmlns:com="http://schemas.openxmlformats.org/drawingml/2006/compatibility" xmlns:pvml="urn:schemas-microsoft-com:office:powerpoint" xmlns:v="urn:schemas-microsoft-com:vml" xmlns:o="urn:schemas-microsoft-com:office:office" xmlns:dgm="http://schemas.openxmlformats.org/drawingml/2006/diagram" xmlns:c="http://schemas.openxmlformats.org/drawingml/2006/chart" xmlns:mv="urn:schemas-microsoft-com:mac:vml" xmlns:mc="http://schemas.openxmlformats.org/markup-compatibility/2006" xmlns="" r:id="rId55" roundtripDataSignature="AMtx7mg4HEnSfMocqsXlYeOUhWhSEmD4jQ=="/>
     </p:ext>
   </p:extLst>
 </p:presentation>
@@ -30174,7 +30174,7 @@
         <p:spPr>
           <a:xfrm>
             <a:off x="2092879" y="2919146"/>
-            <a:ext cx="912089" cy="1121398"/>
+            <a:ext cx="969158" cy="1159365"/>
           </a:xfrm>
           <a:prstGeom prst="straightConnector1">
             <a:avLst/>
@@ -30495,6 +30495,41 @@
           </a:p>
         </p:txBody>
       </p:sp>
+      <p:pic>
+        <p:nvPicPr>
+          <p:cNvPr id="2" name="Picture 1">
+            <a:extLst>
+              <a:ext uri="{FF2B5EF4-FFF2-40B4-BE49-F238E27FC236}">
+                <a16:creationId xmlns:a16="http://schemas.microsoft.com/office/drawing/2014/main" id="{79EE9C56-C80E-56DB-3C8E-E3170F2D1A0B}"/>
+              </a:ext>
+            </a:extLst>
+          </p:cNvPr>
+          <p:cNvPicPr>
+            <a:picLocks noChangeAspect="1"/>
+          </p:cNvPicPr>
+          <p:nvPr/>
+        </p:nvPicPr>
+        <p:blipFill>
+          <a:blip r:embed="rId5"/>
+          <a:stretch>
+            <a:fillRect/>
+          </a:stretch>
+        </p:blipFill>
+        <p:spPr>
+          <a:xfrm>
+            <a:off x="2851613" y="4315238"/>
+            <a:ext cx="974241" cy="284643"/>
+          </a:xfrm>
+          <a:prstGeom prst="rect">
+            <a:avLst/>
+          </a:prstGeom>
+          <a:ln w="22225">
+            <a:solidFill>
+              <a:srgbClr val="C00000"/>
+            </a:solidFill>
+          </a:ln>
+        </p:spPr>
+      </p:pic>
     </p:spTree>
     <p:extLst>
       <p:ext uri="{BB962C8B-B14F-4D97-AF65-F5344CB8AC3E}">
@@ -30677,6 +30712,41 @@
                                         <p:cTn id="18" dur="500"/>
                                         <p:tgtEl>
                                           <p:spTgt spid="9"/>
+                                        </p:tgtEl>
+                                      </p:cBhvr>
+                                    </p:animEffect>
+                                  </p:childTnLst>
+                                </p:cTn>
+                              </p:par>
+                              <p:par>
+                                <p:cTn id="19" presetID="10" presetClass="entr" presetSubtype="0" fill="hold" nodeType="withEffect">
+                                  <p:stCondLst>
+                                    <p:cond delay="0"/>
+                                  </p:stCondLst>
+                                  <p:childTnLst>
+                                    <p:set>
+                                      <p:cBhvr>
+                                        <p:cTn id="20" dur="1" fill="hold">
+                                          <p:stCondLst>
+                                            <p:cond delay="0"/>
+                                          </p:stCondLst>
+                                        </p:cTn>
+                                        <p:tgtEl>
+                                          <p:spTgt spid="2"/>
+                                        </p:tgtEl>
+                                        <p:attrNameLst>
+                                          <p:attrName>style.visibility</p:attrName>
+                                        </p:attrNameLst>
+                                      </p:cBhvr>
+                                      <p:to>
+                                        <p:strVal val="visible"/>
+                                      </p:to>
+                                    </p:set>
+                                    <p:animEffect transition="in" filter="fade">
+                                      <p:cBhvr>
+                                        <p:cTn id="21" dur="1000"/>
+                                        <p:tgtEl>
+                                          <p:spTgt spid="2"/>
                                         </p:tgtEl>
                                       </p:cBhvr>
                                     </p:animEffect>

--- a/docs/AII - Project Slides.pptx
+++ b/docs/AII - Project Slides.pptx
@@ -296,7 +296,7 @@
       <p15:sldGuideLst xmlns:p15="http://schemas.microsoft.com/office/powerpoint/2012/main"/>
     </p:ext>
     <p:ext uri="http://customooxmlschemas.google.com/">
-      <go:slidesCustomData xmlns:go="http://customooxmlschemas.google.com/" xmlns:ahyp="http://schemas.microsoft.com/office/drawing/2018/hyperlinkcolor" xmlns:p15="http://schemas.microsoft.com/office/powerpoint/2012/main" xmlns:p14="http://schemas.microsoft.com/office/powerpoint/2010/main" xmlns:com="http://schemas.openxmlformats.org/drawingml/2006/compatibility" xmlns:pvml="urn:schemas-microsoft-com:office:powerpoint" xmlns:v="urn:schemas-microsoft-com:vml" xmlns:o="urn:schemas-microsoft-com:office:office" xmlns:dgm="http://schemas.openxmlformats.org/drawingml/2006/diagram" xmlns:c="http://schemas.openxmlformats.org/drawingml/2006/chart" xmlns:mv="urn:schemas-microsoft-com:mac:vml" xmlns:mc="http://schemas.openxmlformats.org/markup-compatibility/2006" xmlns="" r:id="rId55" roundtripDataSignature="AMtx7mg4HEnSfMocqsXlYeOUhWhSEmD4jQ=="/>
+      <go:slidesCustomData xmlns="" xmlns:mc="http://schemas.openxmlformats.org/markup-compatibility/2006" xmlns:mv="urn:schemas-microsoft-com:mac:vml" xmlns:c="http://schemas.openxmlformats.org/drawingml/2006/chart" xmlns:dgm="http://schemas.openxmlformats.org/drawingml/2006/diagram" xmlns:o="urn:schemas-microsoft-com:office:office" xmlns:v="urn:schemas-microsoft-com:vml" xmlns:pvml="urn:schemas-microsoft-com:office:powerpoint" xmlns:com="http://schemas.openxmlformats.org/drawingml/2006/compatibility" xmlns:p14="http://schemas.microsoft.com/office/powerpoint/2010/main" xmlns:p15="http://schemas.microsoft.com/office/powerpoint/2012/main" xmlns:ahyp="http://schemas.microsoft.com/office/drawing/2018/hyperlinkcolor" xmlns:go="http://customooxmlschemas.google.com/" r:id="rId55" roundtripDataSignature="AMtx7mg4HEnSfMocqsXlYeOUhWhSEmD4jQ=="/>
     </p:ext>
   </p:extLst>
 </p:presentation>
@@ -26344,12 +26344,14 @@
             </a:pPr>
             <a:r>
               <a:rPr lang="en-US" dirty="0"/>
-              <a:t>Tuned several hyper-parameters:</a:t>
+              <a:t>Tuned several hyper-parameters, such as:</a:t>
             </a:r>
           </a:p>
           <a:p>
             <a:pPr marL="933450" lvl="1">
               <a:buSzPts val="2100"/>
+              <a:buFont typeface="Courier New" panose="02070309020205020404" pitchFamily="49" charset="0"/>
+              <a:buChar char="o"/>
             </a:pPr>
             <a:r>
               <a:rPr lang="en-US" dirty="0"/>
@@ -26359,10 +26361,34 @@
           <a:p>
             <a:pPr marL="933450" lvl="1">
               <a:buSzPts val="2100"/>
+              <a:buFont typeface="Courier New" panose="02070309020205020404" pitchFamily="49" charset="0"/>
+              <a:buChar char="o"/>
             </a:pPr>
             <a:r>
               <a:rPr lang="en-US" dirty="0"/>
               <a:t>Number of dense layers and their number of units</a:t>
+            </a:r>
+          </a:p>
+          <a:p>
+            <a:pPr marL="933450" lvl="1">
+              <a:buSzPts val="2100"/>
+              <a:buFont typeface="Courier New" panose="02070309020205020404" pitchFamily="49" charset="0"/>
+              <a:buChar char="o"/>
+            </a:pPr>
+            <a:r>
+              <a:rPr lang="en-US" dirty="0"/>
+              <a:t>Latent space size</a:t>
+            </a:r>
+          </a:p>
+          <a:p>
+            <a:pPr marL="933450" lvl="1">
+              <a:buSzPts val="2100"/>
+              <a:buFont typeface="Courier New" panose="02070309020205020404" pitchFamily="49" charset="0"/>
+              <a:buChar char="o"/>
+            </a:pPr>
+            <a:r>
+              <a:rPr lang="en-US" dirty="0"/>
+              <a:t>And more…</a:t>
             </a:r>
           </a:p>
           <a:p>
@@ -26390,6 +26416,8 @@
           <a:p>
             <a:pPr marL="933450" lvl="1">
               <a:buSzPts val="2100"/>
+              <a:buFont typeface="Courier New" panose="02070309020205020404" pitchFamily="49" charset="0"/>
+              <a:buChar char="o"/>
             </a:pPr>
             <a:r>
               <a:rPr lang="en-US" dirty="0"/>
@@ -26399,6 +26427,8 @@
           <a:p>
             <a:pPr marL="933450" lvl="1">
               <a:buSzPts val="2100"/>
+              <a:buFont typeface="Courier New" panose="02070309020205020404" pitchFamily="49" charset="0"/>
+              <a:buChar char="o"/>
             </a:pPr>
             <a:r>
               <a:rPr lang="en-US" dirty="0"/>
